--- a/eece2160/sum16/lectures/eece.2160sum16_lec9.pptx
+++ b/eece2160/sum16/lectures/eece.2160sum16_lec9.pptx
@@ -5,31 +5,32 @@
     <p:sldMasterId id="2147483792" r:id="rId1"/>
   </p:sldMasterIdLst>
   <p:notesMasterIdLst>
-    <p:notesMasterId r:id="rId21"/>
+    <p:notesMasterId r:id="rId22"/>
   </p:notesMasterIdLst>
   <p:handoutMasterIdLst>
-    <p:handoutMasterId r:id="rId22"/>
+    <p:handoutMasterId r:id="rId23"/>
   </p:handoutMasterIdLst>
   <p:sldIdLst>
     <p:sldId id="256" r:id="rId2"/>
     <p:sldId id="257" r:id="rId3"/>
-    <p:sldId id="509" r:id="rId4"/>
-    <p:sldId id="514" r:id="rId5"/>
-    <p:sldId id="515" r:id="rId6"/>
-    <p:sldId id="516" r:id="rId7"/>
-    <p:sldId id="517" r:id="rId8"/>
-    <p:sldId id="502" r:id="rId9"/>
-    <p:sldId id="503" r:id="rId10"/>
-    <p:sldId id="504" r:id="rId11"/>
-    <p:sldId id="505" r:id="rId12"/>
-    <p:sldId id="506" r:id="rId13"/>
-    <p:sldId id="507" r:id="rId14"/>
-    <p:sldId id="508" r:id="rId15"/>
-    <p:sldId id="518" r:id="rId16"/>
-    <p:sldId id="519" r:id="rId17"/>
-    <p:sldId id="520" r:id="rId18"/>
-    <p:sldId id="521" r:id="rId19"/>
-    <p:sldId id="410" r:id="rId20"/>
+    <p:sldId id="522" r:id="rId4"/>
+    <p:sldId id="509" r:id="rId5"/>
+    <p:sldId id="514" r:id="rId6"/>
+    <p:sldId id="515" r:id="rId7"/>
+    <p:sldId id="516" r:id="rId8"/>
+    <p:sldId id="517" r:id="rId9"/>
+    <p:sldId id="502" r:id="rId10"/>
+    <p:sldId id="503" r:id="rId11"/>
+    <p:sldId id="504" r:id="rId12"/>
+    <p:sldId id="505" r:id="rId13"/>
+    <p:sldId id="506" r:id="rId14"/>
+    <p:sldId id="507" r:id="rId15"/>
+    <p:sldId id="508" r:id="rId16"/>
+    <p:sldId id="518" r:id="rId17"/>
+    <p:sldId id="519" r:id="rId18"/>
+    <p:sldId id="520" r:id="rId19"/>
+    <p:sldId id="521" r:id="rId20"/>
+    <p:sldId id="410" r:id="rId21"/>
   </p:sldIdLst>
   <p:sldSz cx="9144000" cy="6858000" type="screen4x3"/>
   <p:notesSz cx="9144000" cy="6858000"/>
@@ -554,7 +555,7 @@
             <a:tailEnd/>
           </a:ln>
           <a:extLst>
-            <a:ext uri="{909E8E84-426E-40dd-AFC4-6F175D3DCCD1}">
+            <a:ext uri="{909E8E84-426E-40DD-AFC4-6F175D3DCCD1}">
               <a14:hiddenFill xmlns:a14="http://schemas.microsoft.com/office/drawing/2010/main">
                 <a:solidFill>
                   <a:srgbClr val="FFFFFF"/>
@@ -562,7 +563,7 @@
               </a14:hiddenFill>
             </a:ext>
             <a:ext uri="{FAA26D3D-D897-4be2-8F04-BA451C77F1D7}">
-              <ma14:placeholderFlag xmlns:ma14="http://schemas.microsoft.com/office/mac/drawingml/2011/main" val="1"/>
+              <ma14:placeholderFlag xmlns:ma14="http://schemas.microsoft.com/office/mac/drawingml/2011/main" xmlns="" val="1"/>
             </a:ext>
           </a:extLst>
         </p:spPr>
@@ -906,14 +907,14 @@
           <a:noFill/>
           <a:ln/>
           <a:extLst>
-            <a:ext uri="{909E8E84-426E-40dd-AFC4-6F175D3DCCD1}">
+            <a:ext uri="{909E8E84-426E-40DD-AFC4-6F175D3DCCD1}">
               <a14:hiddenFill xmlns:a14="http://schemas.microsoft.com/office/drawing/2010/main">
                 <a:solidFill>
                   <a:srgbClr val="FFFFFF"/>
                 </a:solidFill>
               </a14:hiddenFill>
             </a:ext>
-            <a:ext uri="{91240B29-F687-4f45-9708-019B960494DF}">
+            <a:ext uri="{91240B29-F687-4F45-9708-019B960494DF}">
               <a14:hiddenLine xmlns:a14="http://schemas.microsoft.com/office/drawing/2010/main" w="9525">
                 <a:solidFill>
                   <a:srgbClr val="000000"/>
@@ -1078,14 +1079,14 @@
           <a:noFill/>
           <a:ln/>
           <a:extLst>
-            <a:ext uri="{909E8E84-426E-40dd-AFC4-6F175D3DCCD1}">
+            <a:ext uri="{909E8E84-426E-40DD-AFC4-6F175D3DCCD1}">
               <a14:hiddenFill xmlns:a14="http://schemas.microsoft.com/office/drawing/2010/main">
                 <a:solidFill>
                   <a:srgbClr val="FFFFFF"/>
                 </a:solidFill>
               </a14:hiddenFill>
             </a:ext>
-            <a:ext uri="{91240B29-F687-4f45-9708-019B960494DF}">
+            <a:ext uri="{91240B29-F687-4F45-9708-019B960494DF}">
               <a14:hiddenLine xmlns:a14="http://schemas.microsoft.com/office/drawing/2010/main" w="9525">
                 <a:solidFill>
                   <a:srgbClr val="000000"/>
@@ -1096,7 +1097,7 @@
               </a14:hiddenLine>
             </a:ext>
             <a:ext uri="{FAA26D3D-D897-4be2-8F04-BA451C77F1D7}">
-              <ma14:placeholderFlag xmlns:ma14="http://schemas.microsoft.com/office/mac/drawingml/2011/main" val="1"/>
+              <ma14:placeholderFlag xmlns:ma14="http://schemas.microsoft.com/office/mac/drawingml/2011/main" xmlns="" val="1"/>
             </a:ext>
           </a:extLst>
         </p:spPr>
@@ -1198,7 +1199,7 @@
             <a:tailEnd/>
           </a:ln>
           <a:extLst>
-            <a:ext uri="{909E8E84-426E-40dd-AFC4-6F175D3DCCD1}">
+            <a:ext uri="{909E8E84-426E-40DD-AFC4-6F175D3DCCD1}">
               <a14:hiddenFill xmlns:a14="http://schemas.microsoft.com/office/drawing/2010/main">
                 <a:solidFill>
                   <a:srgbClr val="FFFFFF"/>
@@ -1241,7 +1242,7 @@
             <a:tailEnd/>
           </a:ln>
           <a:extLst>
-            <a:ext uri="{909E8E84-426E-40dd-AFC4-6F175D3DCCD1}">
+            <a:ext uri="{909E8E84-426E-40DD-AFC4-6F175D3DCCD1}">
               <a14:hiddenFill xmlns:a14="http://schemas.microsoft.com/office/drawing/2010/main">
                 <a:noFill/>
               </a14:hiddenFill>
@@ -1344,7 +1345,7 @@
             </a:pPr>
             <a:fld id="{2DB7A370-11EA-874D-902A-0EC8C119D8E4}" type="datetime1">
               <a:rPr lang="en-US" smtClean="0"/>
-              <a:t>6/6/16</a:t>
+              <a:t>6/8/2016</a:t>
             </a:fld>
             <a:endParaRPr lang="en-US"/>
           </a:p>
@@ -1549,7 +1550,7 @@
             </a:pPr>
             <a:fld id="{5D864B0A-32C5-FD49-9675-7B160F63F39F}" type="datetime1">
               <a:rPr lang="en-US" smtClean="0"/>
-              <a:t>6/6/16</a:t>
+              <a:t>6/8/2016</a:t>
             </a:fld>
             <a:endParaRPr lang="en-US"/>
           </a:p>
@@ -1763,7 +1764,7 @@
             </a:pPr>
             <a:fld id="{08A123A4-A677-AB4C-AD04-AF75E2247EF9}" type="datetime1">
               <a:rPr lang="en-US" smtClean="0"/>
-              <a:t>6/6/16</a:t>
+              <a:t>6/8/2016</a:t>
             </a:fld>
             <a:endParaRPr lang="en-US"/>
           </a:p>
@@ -2034,7 +2035,7 @@
             </a:pPr>
             <a:fld id="{76F75B88-AC16-DB4C-8CCA-AAF239FCD363}" type="datetime1">
               <a:rPr lang="en-US" smtClean="0"/>
-              <a:t>6/6/16</a:t>
+              <a:t>6/8/2016</a:t>
             </a:fld>
             <a:endParaRPr lang="en-US"/>
           </a:p>
@@ -2305,7 +2306,7 @@
             </a:pPr>
             <a:fld id="{2D261A1F-C69F-074C-9C0F-D4EE3E906CE8}" type="datetime1">
               <a:rPr lang="en-US" smtClean="0"/>
-              <a:t>6/6/16</a:t>
+              <a:t>6/8/2016</a:t>
             </a:fld>
             <a:endParaRPr lang="en-US"/>
           </a:p>
@@ -2509,7 +2510,7 @@
             </a:pPr>
             <a:fld id="{695C49C0-B6F8-964A-95DE-B75503CE0DD2}" type="datetime1">
               <a:rPr lang="en-US" smtClean="0"/>
-              <a:t>6/6/16</a:t>
+              <a:t>6/8/2016</a:t>
             </a:fld>
             <a:endParaRPr lang="en-US"/>
           </a:p>
@@ -2735,7 +2736,7 @@
             </a:pPr>
             <a:fld id="{F86F08C7-14CD-384A-AF06-9240DFFE0E0D}" type="datetime1">
               <a:rPr lang="en-US" smtClean="0"/>
-              <a:t>6/6/16</a:t>
+              <a:t>6/8/2016</a:t>
             </a:fld>
             <a:endParaRPr lang="en-US"/>
           </a:p>
@@ -3057,7 +3058,7 @@
             </a:pPr>
             <a:fld id="{238F59D6-CCF5-D94D-ABF6-AEA2C6C5C225}" type="datetime1">
               <a:rPr lang="en-US" smtClean="0"/>
-              <a:t>6/6/16</a:t>
+              <a:t>6/8/2016</a:t>
             </a:fld>
             <a:endParaRPr lang="en-US"/>
           </a:p>
@@ -3518,7 +3519,7 @@
             </a:pPr>
             <a:fld id="{EB9AB8C8-BD32-D941-B56B-B96E851B17C1}" type="datetime1">
               <a:rPr lang="en-US" smtClean="0"/>
-              <a:t>6/6/16</a:t>
+              <a:t>6/8/2016</a:t>
             </a:fld>
             <a:endParaRPr lang="en-US"/>
           </a:p>
@@ -3670,7 +3671,7 @@
             </a:pPr>
             <a:fld id="{D79EB709-D58F-CE42-AD08-D5229D101251}" type="datetime1">
               <a:rPr lang="en-US" smtClean="0"/>
-              <a:t>6/6/16</a:t>
+              <a:t>6/8/2016</a:t>
             </a:fld>
             <a:endParaRPr lang="en-US"/>
           </a:p>
@@ -3799,7 +3800,7 @@
             </a:pPr>
             <a:fld id="{A1B5BB8A-7D5D-8744-9C53-8B4F9902E92D}" type="datetime1">
               <a:rPr lang="en-US" smtClean="0"/>
-              <a:t>6/6/16</a:t>
+              <a:t>6/8/2016</a:t>
             </a:fld>
             <a:endParaRPr lang="en-US"/>
           </a:p>
@@ -4110,7 +4111,7 @@
             </a:pPr>
             <a:fld id="{A3DD2EFE-CD9C-3A43-997C-53D8D44E9FDC}" type="datetime1">
               <a:rPr lang="en-US" smtClean="0"/>
-              <a:t>6/6/16</a:t>
+              <a:t>6/8/2016</a:t>
             </a:fld>
             <a:endParaRPr lang="en-US"/>
           </a:p>
@@ -4398,7 +4399,7 @@
             </a:pPr>
             <a:fld id="{1F220CA5-871B-D140-8C47-ABD9ACA7592A}" type="datetime1">
               <a:rPr lang="en-US" smtClean="0"/>
-              <a:t>6/6/16</a:t>
+              <a:t>6/8/2016</a:t>
             </a:fld>
             <a:endParaRPr lang="en-US"/>
           </a:p>
@@ -4532,14 +4533,14 @@
             <a:noFill/>
           </a:ln>
           <a:extLst>
-            <a:ext uri="{909E8E84-426E-40dd-AFC4-6F175D3DCCD1}">
+            <a:ext uri="{909E8E84-426E-40DD-AFC4-6F175D3DCCD1}">
               <a14:hiddenFill xmlns:a14="http://schemas.microsoft.com/office/drawing/2010/main">
                 <a:solidFill>
                   <a:srgbClr val="FFFFFF"/>
                 </a:solidFill>
               </a14:hiddenFill>
             </a:ext>
-            <a:ext uri="{91240B29-F687-4f45-9708-019B960494DF}">
+            <a:ext uri="{91240B29-F687-4F45-9708-019B960494DF}">
               <a14:hiddenLine xmlns:a14="http://schemas.microsoft.com/office/drawing/2010/main" w="9525">
                 <a:solidFill>
                   <a:srgbClr val="000000"/>
@@ -4550,7 +4551,7 @@
               </a14:hiddenLine>
             </a:ext>
             <a:ext uri="{FAA26D3D-D897-4be2-8F04-BA451C77F1D7}">
-              <ma14:placeholderFlag xmlns:ma14="http://schemas.microsoft.com/office/mac/drawingml/2011/main" val="1"/>
+              <ma14:placeholderFlag xmlns:ma14="http://schemas.microsoft.com/office/mac/drawingml/2011/main" xmlns="" val="1"/>
             </a:ext>
           </a:extLst>
         </p:spPr>
@@ -4593,14 +4594,14 @@
             <a:noFill/>
           </a:ln>
           <a:extLst>
-            <a:ext uri="{909E8E84-426E-40dd-AFC4-6F175D3DCCD1}">
+            <a:ext uri="{909E8E84-426E-40DD-AFC4-6F175D3DCCD1}">
               <a14:hiddenFill xmlns:a14="http://schemas.microsoft.com/office/drawing/2010/main">
                 <a:solidFill>
                   <a:srgbClr val="FFFFFF"/>
                 </a:solidFill>
               </a14:hiddenFill>
             </a:ext>
-            <a:ext uri="{91240B29-F687-4f45-9708-019B960494DF}">
+            <a:ext uri="{91240B29-F687-4F45-9708-019B960494DF}">
               <a14:hiddenLine xmlns:a14="http://schemas.microsoft.com/office/drawing/2010/main" w="9525">
                 <a:solidFill>
                   <a:srgbClr val="000000"/>
@@ -4611,7 +4612,7 @@
               </a14:hiddenLine>
             </a:ext>
             <a:ext uri="{FAA26D3D-D897-4be2-8F04-BA451C77F1D7}">
-              <ma14:placeholderFlag xmlns:ma14="http://schemas.microsoft.com/office/mac/drawingml/2011/main" val="1"/>
+              <ma14:placeholderFlag xmlns:ma14="http://schemas.microsoft.com/office/mac/drawingml/2011/main" xmlns="" val="1"/>
             </a:ext>
           </a:extLst>
         </p:spPr>
@@ -4705,7 +4706,7 @@
             </a:pPr>
             <a:fld id="{13212818-FA0C-B24F-99F6-462F7A804036}" type="datetime1">
               <a:rPr lang="en-US" smtClean="0"/>
-              <a:t>6/6/16</a:t>
+              <a:t>6/8/2016</a:t>
             </a:fld>
             <a:endParaRPr lang="en-US"/>
           </a:p>
@@ -4884,7 +4885,7 @@
             <a:tailEnd/>
           </a:ln>
           <a:extLst>
-            <a:ext uri="{909E8E84-426E-40dd-AFC4-6F175D3DCCD1}">
+            <a:ext uri="{909E8E84-426E-40DD-AFC4-6F175D3DCCD1}">
               <a14:hiddenFill xmlns:a14="http://schemas.microsoft.com/office/drawing/2010/main">
                 <a:solidFill>
                   <a:srgbClr val="FFFFFF"/>
@@ -4927,7 +4928,7 @@
             <a:tailEnd/>
           </a:ln>
           <a:extLst>
-            <a:ext uri="{909E8E84-426E-40dd-AFC4-6F175D3DCCD1}">
+            <a:ext uri="{909E8E84-426E-40DD-AFC4-6F175D3DCCD1}">
               <a14:hiddenFill xmlns:a14="http://schemas.microsoft.com/office/drawing/2010/main">
                 <a:noFill/>
               </a14:hiddenFill>
@@ -4963,7 +4964,7 @@
   <p:timing>
     <p:tnLst>
       <p:par>
-        <p:cTn xmlns:p14="http://schemas.microsoft.com/office/powerpoint/2010/main" id="1" dur="indefinite" restart="never" nodeType="tmRoot"/>
+        <p:cTn id="1" dur="indefinite" restart="never" nodeType="tmRoot"/>
       </p:par>
     </p:tnLst>
   </p:timing>
@@ -5520,21 +5521,9 @@
               <a:rPr lang="en-US" dirty="0" smtClean="0">
                 <a:latin typeface="Arial" charset="0"/>
               </a:rPr>
-              <a:t>Geiger &amp; </a:t>
-            </a:r>
-            <a:r>
-              <a:rPr lang="en-US" dirty="0" err="1" smtClean="0">
-                <a:latin typeface="Arial" charset="0"/>
-              </a:rPr>
-              <a:t>Peilong</a:t>
-            </a:r>
-            <a:r>
-              <a:rPr lang="en-US" dirty="0" smtClean="0">
-                <a:latin typeface="Arial" charset="0"/>
-              </a:rPr>
-              <a:t> Li</a:t>
-            </a:r>
-            <a:endParaRPr lang="en-US" dirty="0">
+              <a:t>Geiger </a:t>
+            </a:r>
+            <a:endParaRPr lang="en-US" dirty="0" smtClean="0">
               <a:latin typeface="Arial" charset="0"/>
             </a:endParaRPr>
           </a:p>
@@ -5551,7 +5540,7 @@
               <a:rPr lang="en-US" dirty="0" smtClean="0">
                 <a:latin typeface="Arial" charset="0"/>
               </a:rPr>
-              <a:t>Spring 2016</a:t>
+              <a:t>Summer 2016</a:t>
             </a:r>
             <a:endParaRPr lang="en-US" dirty="0">
               <a:latin typeface="Arial" charset="0"/>
@@ -5595,7 +5584,7 @@
                 </a:solidFill>
                 <a:latin typeface="Arial" charset="0"/>
               </a:rPr>
-              <a:t>22</a:t>
+              <a:t>10</a:t>
             </a:r>
             <a:endParaRPr lang="en-US" b="1" dirty="0">
               <a:solidFill>
@@ -5649,7 +5638,7 @@
   <p:timing>
     <p:tnLst>
       <p:par>
-        <p:cTn xmlns:p14="http://schemas.microsoft.com/office/powerpoint/2010/main" id="1" dur="indefinite" restart="never" nodeType="tmRoot"/>
+        <p:cTn id="1" dur="indefinite" restart="never" nodeType="tmRoot"/>
       </p:par>
     </p:tnLst>
   </p:timing>
@@ -5657,6 +5646,557 @@
 </file>
 
 <file path=ppt/slides/slide10.xml><?xml version="1.0" encoding="utf-8"?>
+<p:sld xmlns:a="http://schemas.openxmlformats.org/drawingml/2006/main" xmlns:r="http://schemas.openxmlformats.org/officeDocument/2006/relationships" xmlns:p="http://schemas.openxmlformats.org/presentationml/2006/main">
+  <p:cSld>
+    <p:spTree>
+      <p:nvGrpSpPr>
+        <p:cNvPr id="1" name=""/>
+        <p:cNvGrpSpPr/>
+        <p:nvPr/>
+      </p:nvGrpSpPr>
+      <p:grpSpPr>
+        <a:xfrm>
+          <a:off x="0" y="0"/>
+          <a:ext cx="0" cy="0"/>
+          <a:chOff x="0" y="0"/>
+          <a:chExt cx="0" cy="0"/>
+        </a:xfrm>
+      </p:grpSpPr>
+      <p:sp>
+        <p:nvSpPr>
+          <p:cNvPr id="21505" name="Title 1"/>
+          <p:cNvSpPr>
+            <a:spLocks noGrp="1"/>
+          </p:cNvSpPr>
+          <p:nvPr>
+            <p:ph type="title"/>
+          </p:nvPr>
+        </p:nvSpPr>
+        <p:spPr/>
+        <p:txBody>
+          <a:bodyPr/>
+          <a:lstStyle/>
+          <a:p>
+            <a:r>
+              <a:rPr lang="en-US">
+                <a:latin typeface="Garamond" charset="0"/>
+              </a:rPr>
+              <a:t>Strings, output, and functions</a:t>
+            </a:r>
+          </a:p>
+        </p:txBody>
+      </p:sp>
+      <p:sp>
+        <p:nvSpPr>
+          <p:cNvPr id="21506" name="Content Placeholder 2"/>
+          <p:cNvSpPr>
+            <a:spLocks noGrp="1"/>
+          </p:cNvSpPr>
+          <p:nvPr>
+            <p:ph idx="1"/>
+          </p:nvPr>
+        </p:nvSpPr>
+        <p:spPr/>
+        <p:txBody>
+          <a:bodyPr/>
+          <a:lstStyle/>
+          <a:p>
+            <a:r>
+              <a:rPr lang="en-US">
+                <a:latin typeface="Arial" charset="0"/>
+              </a:rPr>
+              <a:t>Can pass string as array or pointer: </a:t>
+            </a:r>
+            <a:r>
+              <a:rPr lang="en-US">
+                <a:latin typeface="Courier New" charset="0"/>
+                <a:cs typeface="Courier New" charset="0"/>
+              </a:rPr>
+              <a:t>char *</a:t>
+            </a:r>
+          </a:p>
+          <a:p>
+            <a:pPr lvl="1"/>
+            <a:r>
+              <a:rPr lang="en-US">
+                <a:latin typeface="Courier New" charset="0"/>
+                <a:cs typeface="Courier New" charset="0"/>
+              </a:rPr>
+              <a:t>printf()</a:t>
+            </a:r>
+            <a:r>
+              <a:rPr lang="en-US">
+                <a:latin typeface="Arial" charset="0"/>
+              </a:rPr>
+              <a:t>, </a:t>
+            </a:r>
+            <a:r>
+              <a:rPr lang="en-US">
+                <a:latin typeface="Courier New" charset="0"/>
+                <a:cs typeface="Courier New" charset="0"/>
+              </a:rPr>
+              <a:t>scanf()</a:t>
+            </a:r>
+            <a:r>
+              <a:rPr lang="en-US">
+                <a:latin typeface="Arial" charset="0"/>
+              </a:rPr>
+              <a:t> take </a:t>
+            </a:r>
+            <a:r>
+              <a:rPr lang="en-US">
+                <a:latin typeface="Courier New" charset="0"/>
+                <a:cs typeface="Courier New" charset="0"/>
+              </a:rPr>
+              <a:t>char *</a:t>
+            </a:r>
+            <a:r>
+              <a:rPr lang="en-US">
+                <a:latin typeface="Arial" charset="0"/>
+              </a:rPr>
+              <a:t> as first argument</a:t>
+            </a:r>
+          </a:p>
+          <a:p>
+            <a:pPr lvl="1"/>
+            <a:r>
+              <a:rPr lang="en-US">
+                <a:latin typeface="Arial" charset="0"/>
+              </a:rPr>
+              <a:t>Given string </a:t>
+            </a:r>
+            <a:r>
+              <a:rPr lang="en-US">
+                <a:latin typeface="Courier New" charset="0"/>
+                <a:cs typeface="Courier New" charset="0"/>
+              </a:rPr>
+              <a:t>char hello[]</a:t>
+            </a:r>
+            <a:r>
+              <a:rPr lang="en-US">
+                <a:latin typeface="Arial" charset="0"/>
+              </a:rPr>
+              <a:t> from previous slide:</a:t>
+            </a:r>
+          </a:p>
+          <a:p>
+            <a:pPr lvl="2"/>
+            <a:r>
+              <a:rPr lang="en-US">
+                <a:latin typeface="Arial" charset="0"/>
+              </a:rPr>
+              <a:t>Print directly: </a:t>
+            </a:r>
+            <a:r>
+              <a:rPr lang="en-US">
+                <a:latin typeface="Courier New" charset="0"/>
+                <a:cs typeface="Courier New" charset="0"/>
+              </a:rPr>
+              <a:t>printf(hello);</a:t>
+            </a:r>
+          </a:p>
+          <a:p>
+            <a:pPr lvl="2"/>
+            <a:r>
+              <a:rPr lang="en-US">
+                <a:latin typeface="Arial" charset="0"/>
+                <a:cs typeface="Courier New" charset="0"/>
+              </a:rPr>
+              <a:t>Print w/formatting using %s: </a:t>
+            </a:r>
+            <a:r>
+              <a:rPr lang="en-US">
+                <a:latin typeface="Courier New" charset="0"/>
+                <a:cs typeface="Courier New" charset="0"/>
+              </a:rPr>
+              <a:t>printf(“%s\n”, 						 hello);</a:t>
+            </a:r>
+          </a:p>
+          <a:p>
+            <a:pPr lvl="2"/>
+            <a:r>
+              <a:rPr lang="en-US">
+                <a:latin typeface="Arial" charset="0"/>
+                <a:cs typeface="Courier New" charset="0"/>
+              </a:rPr>
+              <a:t>Print individual character:  </a:t>
+            </a:r>
+            <a:r>
+              <a:rPr lang="en-US">
+                <a:latin typeface="Courier New" charset="0"/>
+                <a:cs typeface="Courier New" charset="0"/>
+              </a:rPr>
+              <a:t>printf(“%c\n”, 						hello[1]);</a:t>
+            </a:r>
+          </a:p>
+        </p:txBody>
+      </p:sp>
+      <p:sp>
+        <p:nvSpPr>
+          <p:cNvPr id="21507" name="Date Placeholder 3"/>
+          <p:cNvSpPr>
+            <a:spLocks noGrp="1"/>
+          </p:cNvSpPr>
+          <p:nvPr>
+            <p:ph type="dt" sz="quarter" idx="10"/>
+          </p:nvPr>
+        </p:nvSpPr>
+        <p:spPr>
+          <a:noFill/>
+          <a:ln/>
+          <a:extLst>
+            <a:ext uri="{909E8E84-426E-40DD-AFC4-6F175D3DCCD1}">
+              <a14:hiddenFill xmlns:a14="http://schemas.microsoft.com/office/drawing/2010/main">
+                <a:solidFill>
+                  <a:srgbClr val="FFFFFF"/>
+                </a:solidFill>
+              </a14:hiddenFill>
+            </a:ext>
+            <a:ext uri="{91240B29-F687-4F45-9708-019B960494DF}">
+              <a14:hiddenLine xmlns:a14="http://schemas.microsoft.com/office/drawing/2010/main" w="9525">
+                <a:solidFill>
+                  <a:srgbClr val="000000"/>
+                </a:solidFill>
+                <a:miter lim="800000"/>
+                <a:headEnd/>
+                <a:tailEnd/>
+              </a14:hiddenLine>
+            </a:ext>
+          </a:extLst>
+        </p:spPr>
+        <p:txBody>
+          <a:bodyPr/>
+          <a:lstStyle>
+            <a:lvl1pPr eaLnBrk="0" hangingPunct="0">
+              <a:defRPr sz="2400">
+                <a:solidFill>
+                  <a:schemeClr val="tx1"/>
+                </a:solidFill>
+                <a:latin typeface="Arial" charset="0"/>
+                <a:ea typeface="ＭＳ Ｐゴシック" charset="0"/>
+                <a:cs typeface="ＭＳ Ｐゴシック" charset="0"/>
+              </a:defRPr>
+            </a:lvl1pPr>
+            <a:lvl2pPr marL="742950" indent="-285750" eaLnBrk="0" hangingPunct="0">
+              <a:defRPr sz="2400">
+                <a:solidFill>
+                  <a:schemeClr val="tx1"/>
+                </a:solidFill>
+                <a:latin typeface="Arial" charset="0"/>
+                <a:ea typeface="ＭＳ Ｐゴシック" charset="0"/>
+              </a:defRPr>
+            </a:lvl2pPr>
+            <a:lvl3pPr marL="1143000" indent="-228600" eaLnBrk="0" hangingPunct="0">
+              <a:defRPr sz="2400">
+                <a:solidFill>
+                  <a:schemeClr val="tx1"/>
+                </a:solidFill>
+                <a:latin typeface="Arial" charset="0"/>
+                <a:ea typeface="ＭＳ Ｐゴシック" charset="0"/>
+              </a:defRPr>
+            </a:lvl3pPr>
+            <a:lvl4pPr marL="1600200" indent="-228600" eaLnBrk="0" hangingPunct="0">
+              <a:defRPr sz="2400">
+                <a:solidFill>
+                  <a:schemeClr val="tx1"/>
+                </a:solidFill>
+                <a:latin typeface="Arial" charset="0"/>
+                <a:ea typeface="ＭＳ Ｐゴシック" charset="0"/>
+              </a:defRPr>
+            </a:lvl4pPr>
+            <a:lvl5pPr marL="2057400" indent="-228600" eaLnBrk="0" hangingPunct="0">
+              <a:defRPr sz="2400">
+                <a:solidFill>
+                  <a:schemeClr val="tx1"/>
+                </a:solidFill>
+                <a:latin typeface="Arial" charset="0"/>
+                <a:ea typeface="ＭＳ Ｐゴシック" charset="0"/>
+              </a:defRPr>
+            </a:lvl5pPr>
+            <a:lvl6pPr marL="2514600" indent="-228600" eaLnBrk="0" fontAlgn="base" hangingPunct="0">
+              <a:spcBef>
+                <a:spcPct val="0"/>
+              </a:spcBef>
+              <a:spcAft>
+                <a:spcPct val="0"/>
+              </a:spcAft>
+              <a:defRPr sz="2400">
+                <a:solidFill>
+                  <a:schemeClr val="tx1"/>
+                </a:solidFill>
+                <a:latin typeface="Arial" charset="0"/>
+                <a:ea typeface="ＭＳ Ｐゴシック" charset="0"/>
+              </a:defRPr>
+            </a:lvl6pPr>
+            <a:lvl7pPr marL="2971800" indent="-228600" eaLnBrk="0" fontAlgn="base" hangingPunct="0">
+              <a:spcBef>
+                <a:spcPct val="0"/>
+              </a:spcBef>
+              <a:spcAft>
+                <a:spcPct val="0"/>
+              </a:spcAft>
+              <a:defRPr sz="2400">
+                <a:solidFill>
+                  <a:schemeClr val="tx1"/>
+                </a:solidFill>
+                <a:latin typeface="Arial" charset="0"/>
+                <a:ea typeface="ＭＳ Ｐゴシック" charset="0"/>
+              </a:defRPr>
+            </a:lvl7pPr>
+            <a:lvl8pPr marL="3429000" indent="-228600" eaLnBrk="0" fontAlgn="base" hangingPunct="0">
+              <a:spcBef>
+                <a:spcPct val="0"/>
+              </a:spcBef>
+              <a:spcAft>
+                <a:spcPct val="0"/>
+              </a:spcAft>
+              <a:defRPr sz="2400">
+                <a:solidFill>
+                  <a:schemeClr val="tx1"/>
+                </a:solidFill>
+                <a:latin typeface="Arial" charset="0"/>
+                <a:ea typeface="ＭＳ Ｐゴシック" charset="0"/>
+              </a:defRPr>
+            </a:lvl8pPr>
+            <a:lvl9pPr marL="3886200" indent="-228600" eaLnBrk="0" fontAlgn="base" hangingPunct="0">
+              <a:spcBef>
+                <a:spcPct val="0"/>
+              </a:spcBef>
+              <a:spcAft>
+                <a:spcPct val="0"/>
+              </a:spcAft>
+              <a:defRPr sz="2400">
+                <a:solidFill>
+                  <a:schemeClr val="tx1"/>
+                </a:solidFill>
+                <a:latin typeface="Arial" charset="0"/>
+                <a:ea typeface="ＭＳ Ｐゴシック" charset="0"/>
+              </a:defRPr>
+            </a:lvl9pPr>
+          </a:lstStyle>
+          <a:p>
+            <a:pPr eaLnBrk="1" hangingPunct="1"/>
+            <a:fld id="{629BD3C0-2F6A-014C-A03E-8AEA40CDE609}" type="datetime1">
+              <a:rPr lang="en-US" sz="1200" smtClean="0">
+                <a:latin typeface="Garamond" charset="0"/>
+                <a:cs typeface="Arial" charset="0"/>
+              </a:rPr>
+              <a:t>6/8/2016</a:t>
+            </a:fld>
+            <a:endParaRPr lang="en-US" sz="1200">
+              <a:latin typeface="Garamond" charset="0"/>
+              <a:cs typeface="Arial" charset="0"/>
+            </a:endParaRPr>
+          </a:p>
+        </p:txBody>
+      </p:sp>
+      <p:sp>
+        <p:nvSpPr>
+          <p:cNvPr id="5" name="Footer Placeholder 4"/>
+          <p:cNvSpPr>
+            <a:spLocks noGrp="1"/>
+          </p:cNvSpPr>
+          <p:nvPr>
+            <p:ph type="ftr" sz="quarter" idx="11"/>
+          </p:nvPr>
+        </p:nvSpPr>
+        <p:spPr/>
+        <p:txBody>
+          <a:bodyPr/>
+          <a:lstStyle/>
+          <a:p>
+            <a:pPr>
+              <a:defRPr/>
+            </a:pPr>
+            <a:r>
+              <a:rPr lang="en-US" altLang="en-US" smtClean="0"/>
+              <a:t>ECE Application Programming: Lecture 22</a:t>
+            </a:r>
+            <a:endParaRPr lang="en-US" altLang="en-US"/>
+          </a:p>
+        </p:txBody>
+      </p:sp>
+      <p:sp>
+        <p:nvSpPr>
+          <p:cNvPr id="21509" name="Slide Number Placeholder 5"/>
+          <p:cNvSpPr>
+            <a:spLocks noGrp="1"/>
+          </p:cNvSpPr>
+          <p:nvPr>
+            <p:ph type="sldNum" sz="quarter" idx="12"/>
+          </p:nvPr>
+        </p:nvSpPr>
+        <p:spPr>
+          <a:noFill/>
+          <a:ln/>
+          <a:extLst>
+            <a:ext uri="{909E8E84-426E-40DD-AFC4-6F175D3DCCD1}">
+              <a14:hiddenFill xmlns:a14="http://schemas.microsoft.com/office/drawing/2010/main">
+                <a:solidFill>
+                  <a:srgbClr val="FFFFFF"/>
+                </a:solidFill>
+              </a14:hiddenFill>
+            </a:ext>
+            <a:ext uri="{91240B29-F687-4F45-9708-019B960494DF}">
+              <a14:hiddenLine xmlns:a14="http://schemas.microsoft.com/office/drawing/2010/main" w="9525">
+                <a:solidFill>
+                  <a:srgbClr val="000000"/>
+                </a:solidFill>
+                <a:miter lim="800000"/>
+                <a:headEnd/>
+                <a:tailEnd/>
+              </a14:hiddenLine>
+            </a:ext>
+          </a:extLst>
+        </p:spPr>
+        <p:txBody>
+          <a:bodyPr/>
+          <a:lstStyle>
+            <a:lvl1pPr eaLnBrk="0" hangingPunct="0">
+              <a:defRPr sz="2400">
+                <a:solidFill>
+                  <a:schemeClr val="tx1"/>
+                </a:solidFill>
+                <a:latin typeface="Arial" charset="0"/>
+                <a:ea typeface="ＭＳ Ｐゴシック" charset="0"/>
+                <a:cs typeface="ＭＳ Ｐゴシック" charset="0"/>
+              </a:defRPr>
+            </a:lvl1pPr>
+            <a:lvl2pPr marL="742950" indent="-285750" eaLnBrk="0" hangingPunct="0">
+              <a:defRPr sz="2400">
+                <a:solidFill>
+                  <a:schemeClr val="tx1"/>
+                </a:solidFill>
+                <a:latin typeface="Arial" charset="0"/>
+                <a:ea typeface="ＭＳ Ｐゴシック" charset="0"/>
+              </a:defRPr>
+            </a:lvl2pPr>
+            <a:lvl3pPr marL="1143000" indent="-228600" eaLnBrk="0" hangingPunct="0">
+              <a:defRPr sz="2400">
+                <a:solidFill>
+                  <a:schemeClr val="tx1"/>
+                </a:solidFill>
+                <a:latin typeface="Arial" charset="0"/>
+                <a:ea typeface="ＭＳ Ｐゴシック" charset="0"/>
+              </a:defRPr>
+            </a:lvl3pPr>
+            <a:lvl4pPr marL="1600200" indent="-228600" eaLnBrk="0" hangingPunct="0">
+              <a:defRPr sz="2400">
+                <a:solidFill>
+                  <a:schemeClr val="tx1"/>
+                </a:solidFill>
+                <a:latin typeface="Arial" charset="0"/>
+                <a:ea typeface="ＭＳ Ｐゴシック" charset="0"/>
+              </a:defRPr>
+            </a:lvl4pPr>
+            <a:lvl5pPr marL="2057400" indent="-228600" eaLnBrk="0" hangingPunct="0">
+              <a:defRPr sz="2400">
+                <a:solidFill>
+                  <a:schemeClr val="tx1"/>
+                </a:solidFill>
+                <a:latin typeface="Arial" charset="0"/>
+                <a:ea typeface="ＭＳ Ｐゴシック" charset="0"/>
+              </a:defRPr>
+            </a:lvl5pPr>
+            <a:lvl6pPr marL="2514600" indent="-228600" eaLnBrk="0" fontAlgn="base" hangingPunct="0">
+              <a:spcBef>
+                <a:spcPct val="0"/>
+              </a:spcBef>
+              <a:spcAft>
+                <a:spcPct val="0"/>
+              </a:spcAft>
+              <a:defRPr sz="2400">
+                <a:solidFill>
+                  <a:schemeClr val="tx1"/>
+                </a:solidFill>
+                <a:latin typeface="Arial" charset="0"/>
+                <a:ea typeface="ＭＳ Ｐゴシック" charset="0"/>
+              </a:defRPr>
+            </a:lvl6pPr>
+            <a:lvl7pPr marL="2971800" indent="-228600" eaLnBrk="0" fontAlgn="base" hangingPunct="0">
+              <a:spcBef>
+                <a:spcPct val="0"/>
+              </a:spcBef>
+              <a:spcAft>
+                <a:spcPct val="0"/>
+              </a:spcAft>
+              <a:defRPr sz="2400">
+                <a:solidFill>
+                  <a:schemeClr val="tx1"/>
+                </a:solidFill>
+                <a:latin typeface="Arial" charset="0"/>
+                <a:ea typeface="ＭＳ Ｐゴシック" charset="0"/>
+              </a:defRPr>
+            </a:lvl7pPr>
+            <a:lvl8pPr marL="3429000" indent="-228600" eaLnBrk="0" fontAlgn="base" hangingPunct="0">
+              <a:spcBef>
+                <a:spcPct val="0"/>
+              </a:spcBef>
+              <a:spcAft>
+                <a:spcPct val="0"/>
+              </a:spcAft>
+              <a:defRPr sz="2400">
+                <a:solidFill>
+                  <a:schemeClr val="tx1"/>
+                </a:solidFill>
+                <a:latin typeface="Arial" charset="0"/>
+                <a:ea typeface="ＭＳ Ｐゴシック" charset="0"/>
+              </a:defRPr>
+            </a:lvl8pPr>
+            <a:lvl9pPr marL="3886200" indent="-228600" eaLnBrk="0" fontAlgn="base" hangingPunct="0">
+              <a:spcBef>
+                <a:spcPct val="0"/>
+              </a:spcBef>
+              <a:spcAft>
+                <a:spcPct val="0"/>
+              </a:spcAft>
+              <a:defRPr sz="2400">
+                <a:solidFill>
+                  <a:schemeClr val="tx1"/>
+                </a:solidFill>
+                <a:latin typeface="Arial" charset="0"/>
+                <a:ea typeface="ＭＳ Ｐゴシック" charset="0"/>
+              </a:defRPr>
+            </a:lvl9pPr>
+          </a:lstStyle>
+          <a:p>
+            <a:pPr eaLnBrk="1" hangingPunct="1"/>
+            <a:fld id="{41AC0AE3-EF86-5341-A8BC-D36450E83481}" type="slidenum">
+              <a:rPr lang="en-US" sz="1200">
+                <a:latin typeface="Garamond" charset="0"/>
+                <a:cs typeface="Arial" charset="0"/>
+              </a:rPr>
+              <a:pPr eaLnBrk="1" hangingPunct="1"/>
+              <a:t>10</a:t>
+            </a:fld>
+            <a:endParaRPr lang="en-US" sz="1200">
+              <a:latin typeface="Garamond" charset="0"/>
+              <a:cs typeface="Arial" charset="0"/>
+            </a:endParaRPr>
+          </a:p>
+        </p:txBody>
+      </p:sp>
+    </p:spTree>
+    <p:extLst>
+      <p:ext uri="{BB962C8B-B14F-4D97-AF65-F5344CB8AC3E}">
+        <p14:creationId xmlns:p14="http://schemas.microsoft.com/office/powerpoint/2010/main" val="1090510775"/>
+      </p:ext>
+    </p:extLst>
+  </p:cSld>
+  <p:clrMapOvr>
+    <a:masterClrMapping/>
+  </p:clrMapOvr>
+  <p:timing>
+    <p:tnLst>
+      <p:par>
+        <p:cTn id="1" dur="indefinite" restart="never" nodeType="tmRoot"/>
+      </p:par>
+    </p:tnLst>
+  </p:timing>
+</p:sld>
+</file>
+
+<file path=ppt/slides/slide11.xml><?xml version="1.0" encoding="utf-8"?>
 <p:sld xmlns:a="http://schemas.openxmlformats.org/drawingml/2006/main" xmlns:r="http://schemas.openxmlformats.org/officeDocument/2006/relationships" xmlns:p="http://schemas.openxmlformats.org/presentationml/2006/main">
   <p:cSld>
     <p:spTree>
@@ -5789,14 +6329,14 @@
           <a:noFill/>
           <a:ln/>
           <a:extLst>
-            <a:ext uri="{909E8E84-426E-40dd-AFC4-6F175D3DCCD1}">
+            <a:ext uri="{909E8E84-426E-40DD-AFC4-6F175D3DCCD1}">
               <a14:hiddenFill xmlns:a14="http://schemas.microsoft.com/office/drawing/2010/main">
                 <a:solidFill>
                   <a:srgbClr val="FFFFFF"/>
                 </a:solidFill>
               </a14:hiddenFill>
             </a:ext>
-            <a:ext uri="{91240B29-F687-4f45-9708-019B960494DF}">
+            <a:ext uri="{91240B29-F687-4F45-9708-019B960494DF}">
               <a14:hiddenLine xmlns:a14="http://schemas.microsoft.com/office/drawing/2010/main" w="9525">
                 <a:solidFill>
                   <a:srgbClr val="000000"/>
@@ -5925,7 +6465,7 @@
                 <a:latin typeface="Garamond" charset="0"/>
                 <a:cs typeface="Arial" charset="0"/>
               </a:rPr>
-              <a:t>6/6/16</a:t>
+              <a:t>6/8/2016</a:t>
             </a:fld>
             <a:endParaRPr lang="en-US" sz="1200">
               <a:latin typeface="Garamond" charset="0"/>
@@ -5974,14 +6514,14 @@
           <a:noFill/>
           <a:ln/>
           <a:extLst>
-            <a:ext uri="{909E8E84-426E-40dd-AFC4-6F175D3DCCD1}">
+            <a:ext uri="{909E8E84-426E-40DD-AFC4-6F175D3DCCD1}">
               <a14:hiddenFill xmlns:a14="http://schemas.microsoft.com/office/drawing/2010/main">
                 <a:solidFill>
                   <a:srgbClr val="FFFFFF"/>
                 </a:solidFill>
               </a14:hiddenFill>
             </a:ext>
-            <a:ext uri="{91240B29-F687-4f45-9708-019B960494DF}">
+            <a:ext uri="{91240B29-F687-4F45-9708-019B960494DF}">
               <a14:hiddenLine xmlns:a14="http://schemas.microsoft.com/office/drawing/2010/main" w="9525">
                 <a:solidFill>
                   <a:srgbClr val="000000"/>
@@ -6111,7 +6651,7 @@
                 <a:cs typeface="Arial" charset="0"/>
               </a:rPr>
               <a:pPr eaLnBrk="1" hangingPunct="1"/>
-              <a:t>10</a:t>
+              <a:t>11</a:t>
             </a:fld>
             <a:endParaRPr lang="en-US" sz="1200">
               <a:latin typeface="Garamond" charset="0"/>
@@ -6133,14 +6673,14 @@
   <p:timing>
     <p:tnLst>
       <p:par>
-        <p:cTn xmlns:p14="http://schemas.microsoft.com/office/powerpoint/2010/main" id="1" dur="indefinite" restart="never" nodeType="tmRoot"/>
+        <p:cTn id="1" dur="indefinite" restart="never" nodeType="tmRoot"/>
       </p:par>
     </p:tnLst>
   </p:timing>
 </p:sld>
 </file>
 
-<file path=ppt/slides/slide11.xml><?xml version="1.0" encoding="utf-8"?>
+<file path=ppt/slides/slide12.xml><?xml version="1.0" encoding="utf-8"?>
 <p:sld xmlns:a="http://schemas.openxmlformats.org/drawingml/2006/main" xmlns:r="http://schemas.openxmlformats.org/officeDocument/2006/relationships" xmlns:p="http://schemas.openxmlformats.org/presentationml/2006/main">
   <p:cSld>
     <p:spTree>
@@ -6478,14 +7018,14 @@
           <a:noFill/>
           <a:ln/>
           <a:extLst>
-            <a:ext uri="{909E8E84-426E-40dd-AFC4-6F175D3DCCD1}">
+            <a:ext uri="{909E8E84-426E-40DD-AFC4-6F175D3DCCD1}">
               <a14:hiddenFill xmlns:a14="http://schemas.microsoft.com/office/drawing/2010/main">
                 <a:solidFill>
                   <a:srgbClr val="FFFFFF"/>
                 </a:solidFill>
               </a14:hiddenFill>
             </a:ext>
-            <a:ext uri="{91240B29-F687-4f45-9708-019B960494DF}">
+            <a:ext uri="{91240B29-F687-4F45-9708-019B960494DF}">
               <a14:hiddenLine xmlns:a14="http://schemas.microsoft.com/office/drawing/2010/main" w="9525">
                 <a:solidFill>
                   <a:srgbClr val="000000"/>
@@ -6614,7 +7154,7 @@
                 <a:latin typeface="Garamond" charset="0"/>
                 <a:cs typeface="Arial" charset="0"/>
               </a:rPr>
-              <a:t>6/6/16</a:t>
+              <a:t>6/8/2016</a:t>
             </a:fld>
             <a:endParaRPr lang="en-US" sz="1200">
               <a:latin typeface="Garamond" charset="0"/>
@@ -6663,14 +7203,14 @@
           <a:noFill/>
           <a:ln/>
           <a:extLst>
-            <a:ext uri="{909E8E84-426E-40dd-AFC4-6F175D3DCCD1}">
+            <a:ext uri="{909E8E84-426E-40DD-AFC4-6F175D3DCCD1}">
               <a14:hiddenFill xmlns:a14="http://schemas.microsoft.com/office/drawing/2010/main">
                 <a:solidFill>
                   <a:srgbClr val="FFFFFF"/>
                 </a:solidFill>
               </a14:hiddenFill>
             </a:ext>
-            <a:ext uri="{91240B29-F687-4f45-9708-019B960494DF}">
+            <a:ext uri="{91240B29-F687-4F45-9708-019B960494DF}">
               <a14:hiddenLine xmlns:a14="http://schemas.microsoft.com/office/drawing/2010/main" w="9525">
                 <a:solidFill>
                   <a:srgbClr val="000000"/>
@@ -6800,7 +7340,7 @@
                 <a:cs typeface="Arial" charset="0"/>
               </a:rPr>
               <a:pPr eaLnBrk="1" hangingPunct="1"/>
-              <a:t>11</a:t>
+              <a:t>12</a:t>
             </a:fld>
             <a:endParaRPr lang="en-US" sz="1200">
               <a:latin typeface="Garamond" charset="0"/>
@@ -6822,14 +7362,14 @@
   <p:timing>
     <p:tnLst>
       <p:par>
-        <p:cTn xmlns:p14="http://schemas.microsoft.com/office/powerpoint/2010/main" id="1" dur="indefinite" restart="never" nodeType="tmRoot"/>
+        <p:cTn id="1" dur="indefinite" restart="never" nodeType="tmRoot"/>
       </p:par>
     </p:tnLst>
   </p:timing>
 </p:sld>
 </file>
 
-<file path=ppt/slides/slide12.xml><?xml version="1.0" encoding="utf-8"?>
+<file path=ppt/slides/slide13.xml><?xml version="1.0" encoding="utf-8"?>
 <p:sld xmlns:a="http://schemas.openxmlformats.org/drawingml/2006/main" xmlns:r="http://schemas.openxmlformats.org/officeDocument/2006/relationships" xmlns:p="http://schemas.openxmlformats.org/presentationml/2006/main">
   <p:cSld>
     <p:spTree>
@@ -7111,14 +7651,14 @@
           <a:noFill/>
           <a:ln/>
           <a:extLst>
-            <a:ext uri="{909E8E84-426E-40dd-AFC4-6F175D3DCCD1}">
+            <a:ext uri="{909E8E84-426E-40DD-AFC4-6F175D3DCCD1}">
               <a14:hiddenFill xmlns:a14="http://schemas.microsoft.com/office/drawing/2010/main">
                 <a:solidFill>
                   <a:srgbClr val="FFFFFF"/>
                 </a:solidFill>
               </a14:hiddenFill>
             </a:ext>
-            <a:ext uri="{91240B29-F687-4f45-9708-019B960494DF}">
+            <a:ext uri="{91240B29-F687-4F45-9708-019B960494DF}">
               <a14:hiddenLine xmlns:a14="http://schemas.microsoft.com/office/drawing/2010/main" w="9525">
                 <a:solidFill>
                   <a:srgbClr val="000000"/>
@@ -7247,7 +7787,7 @@
                 <a:latin typeface="Garamond" charset="0"/>
                 <a:cs typeface="Arial" charset="0"/>
               </a:rPr>
-              <a:t>6/6/16</a:t>
+              <a:t>6/8/2016</a:t>
             </a:fld>
             <a:endParaRPr lang="en-US" sz="1200">
               <a:latin typeface="Garamond" charset="0"/>
@@ -7296,14 +7836,14 @@
           <a:noFill/>
           <a:ln/>
           <a:extLst>
-            <a:ext uri="{909E8E84-426E-40dd-AFC4-6F175D3DCCD1}">
+            <a:ext uri="{909E8E84-426E-40DD-AFC4-6F175D3DCCD1}">
               <a14:hiddenFill xmlns:a14="http://schemas.microsoft.com/office/drawing/2010/main">
                 <a:solidFill>
                   <a:srgbClr val="FFFFFF"/>
                 </a:solidFill>
               </a14:hiddenFill>
             </a:ext>
-            <a:ext uri="{91240B29-F687-4f45-9708-019B960494DF}">
+            <a:ext uri="{91240B29-F687-4F45-9708-019B960494DF}">
               <a14:hiddenLine xmlns:a14="http://schemas.microsoft.com/office/drawing/2010/main" w="9525">
                 <a:solidFill>
                   <a:srgbClr val="000000"/>
@@ -7433,7 +7973,7 @@
                 <a:cs typeface="Arial" charset="0"/>
               </a:rPr>
               <a:pPr eaLnBrk="1" hangingPunct="1"/>
-              <a:t>12</a:t>
+              <a:t>13</a:t>
             </a:fld>
             <a:endParaRPr lang="en-US" sz="1200">
               <a:latin typeface="Garamond" charset="0"/>
@@ -7455,14 +7995,14 @@
   <p:timing>
     <p:tnLst>
       <p:par>
-        <p:cTn xmlns:p14="http://schemas.microsoft.com/office/powerpoint/2010/main" id="1" dur="indefinite" restart="never" nodeType="tmRoot"/>
+        <p:cTn id="1" dur="indefinite" restart="never" nodeType="tmRoot"/>
       </p:par>
     </p:tnLst>
   </p:timing>
 </p:sld>
 </file>
 
-<file path=ppt/slides/slide13.xml><?xml version="1.0" encoding="utf-8"?>
+<file path=ppt/slides/slide14.xml><?xml version="1.0" encoding="utf-8"?>
 <p:sld xmlns:a="http://schemas.openxmlformats.org/drawingml/2006/main" xmlns:r="http://schemas.openxmlformats.org/officeDocument/2006/relationships" xmlns:p="http://schemas.openxmlformats.org/presentationml/2006/main">
   <p:cSld>
     <p:spTree>
@@ -8431,14 +8971,14 @@
           <a:noFill/>
           <a:ln/>
           <a:extLst>
-            <a:ext uri="{909E8E84-426E-40dd-AFC4-6F175D3DCCD1}">
+            <a:ext uri="{909E8E84-426E-40DD-AFC4-6F175D3DCCD1}">
               <a14:hiddenFill xmlns:a14="http://schemas.microsoft.com/office/drawing/2010/main">
                 <a:solidFill>
                   <a:srgbClr val="FFFFFF"/>
                 </a:solidFill>
               </a14:hiddenFill>
             </a:ext>
-            <a:ext uri="{91240B29-F687-4f45-9708-019B960494DF}">
+            <a:ext uri="{91240B29-F687-4F45-9708-019B960494DF}">
               <a14:hiddenLine xmlns:a14="http://schemas.microsoft.com/office/drawing/2010/main" w="9525">
                 <a:solidFill>
                   <a:srgbClr val="000000"/>
@@ -8567,7 +9107,7 @@
                 <a:latin typeface="Garamond" charset="0"/>
                 <a:cs typeface="Arial" charset="0"/>
               </a:rPr>
-              <a:t>6/6/16</a:t>
+              <a:t>6/8/2016</a:t>
             </a:fld>
             <a:endParaRPr lang="en-US" sz="1200">
               <a:latin typeface="Garamond" charset="0"/>
@@ -8616,14 +9156,14 @@
           <a:noFill/>
           <a:ln/>
           <a:extLst>
-            <a:ext uri="{909E8E84-426E-40dd-AFC4-6F175D3DCCD1}">
+            <a:ext uri="{909E8E84-426E-40DD-AFC4-6F175D3DCCD1}">
               <a14:hiddenFill xmlns:a14="http://schemas.microsoft.com/office/drawing/2010/main">
                 <a:solidFill>
                   <a:srgbClr val="FFFFFF"/>
                 </a:solidFill>
               </a14:hiddenFill>
             </a:ext>
-            <a:ext uri="{91240B29-F687-4f45-9708-019B960494DF}">
+            <a:ext uri="{91240B29-F687-4F45-9708-019B960494DF}">
               <a14:hiddenLine xmlns:a14="http://schemas.microsoft.com/office/drawing/2010/main" w="9525">
                 <a:solidFill>
                   <a:srgbClr val="000000"/>
@@ -8753,7 +9293,7 @@
                 <a:cs typeface="Arial" charset="0"/>
               </a:rPr>
               <a:pPr eaLnBrk="1" hangingPunct="1"/>
-              <a:t>13</a:t>
+              <a:t>14</a:t>
             </a:fld>
             <a:endParaRPr lang="en-US" sz="1200">
               <a:latin typeface="Garamond" charset="0"/>
@@ -8775,14 +9315,14 @@
   <p:timing>
     <p:tnLst>
       <p:par>
-        <p:cTn xmlns:p14="http://schemas.microsoft.com/office/powerpoint/2010/main" id="1" dur="indefinite" restart="never" nodeType="tmRoot"/>
+        <p:cTn id="1" dur="indefinite" restart="never" nodeType="tmRoot"/>
       </p:par>
     </p:tnLst>
   </p:timing>
 </p:sld>
 </file>
 
-<file path=ppt/slides/slide14.xml><?xml version="1.0" encoding="utf-8"?>
+<file path=ppt/slides/slide15.xml><?xml version="1.0" encoding="utf-8"?>
 <p:sld xmlns:a="http://schemas.openxmlformats.org/drawingml/2006/main" xmlns:r="http://schemas.openxmlformats.org/officeDocument/2006/relationships" xmlns:p="http://schemas.openxmlformats.org/presentationml/2006/main">
   <p:cSld>
     <p:spTree>
@@ -9098,14 +9638,14 @@
           <a:noFill/>
           <a:ln/>
           <a:extLst>
-            <a:ext uri="{909E8E84-426E-40dd-AFC4-6F175D3DCCD1}">
+            <a:ext uri="{909E8E84-426E-40DD-AFC4-6F175D3DCCD1}">
               <a14:hiddenFill xmlns:a14="http://schemas.microsoft.com/office/drawing/2010/main">
                 <a:solidFill>
                   <a:srgbClr val="FFFFFF"/>
                 </a:solidFill>
               </a14:hiddenFill>
             </a:ext>
-            <a:ext uri="{91240B29-F687-4f45-9708-019B960494DF}">
+            <a:ext uri="{91240B29-F687-4F45-9708-019B960494DF}">
               <a14:hiddenLine xmlns:a14="http://schemas.microsoft.com/office/drawing/2010/main" w="9525">
                 <a:solidFill>
                   <a:srgbClr val="000000"/>
@@ -9234,7 +9774,7 @@
                 <a:latin typeface="Garamond" charset="0"/>
                 <a:cs typeface="Arial" charset="0"/>
               </a:rPr>
-              <a:t>6/6/16</a:t>
+              <a:t>6/8/2016</a:t>
             </a:fld>
             <a:endParaRPr lang="en-US" sz="1200">
               <a:latin typeface="Garamond" charset="0"/>
@@ -9283,14 +9823,14 @@
           <a:noFill/>
           <a:ln/>
           <a:extLst>
-            <a:ext uri="{909E8E84-426E-40dd-AFC4-6F175D3DCCD1}">
+            <a:ext uri="{909E8E84-426E-40DD-AFC4-6F175D3DCCD1}">
               <a14:hiddenFill xmlns:a14="http://schemas.microsoft.com/office/drawing/2010/main">
                 <a:solidFill>
                   <a:srgbClr val="FFFFFF"/>
                 </a:solidFill>
               </a14:hiddenFill>
             </a:ext>
-            <a:ext uri="{91240B29-F687-4f45-9708-019B960494DF}">
+            <a:ext uri="{91240B29-F687-4F45-9708-019B960494DF}">
               <a14:hiddenLine xmlns:a14="http://schemas.microsoft.com/office/drawing/2010/main" w="9525">
                 <a:solidFill>
                   <a:srgbClr val="000000"/>
@@ -9420,7 +9960,7 @@
                 <a:cs typeface="Arial" charset="0"/>
               </a:rPr>
               <a:pPr eaLnBrk="1" hangingPunct="1"/>
-              <a:t>14</a:t>
+              <a:t>15</a:t>
             </a:fld>
             <a:endParaRPr lang="en-US" sz="1200">
               <a:latin typeface="Garamond" charset="0"/>
@@ -9442,14 +9982,14 @@
   <p:timing>
     <p:tnLst>
       <p:par>
-        <p:cTn xmlns:p14="http://schemas.microsoft.com/office/powerpoint/2010/main" id="1" dur="indefinite" restart="never" nodeType="tmRoot"/>
+        <p:cTn id="1" dur="indefinite" restart="never" nodeType="tmRoot"/>
       </p:par>
     </p:tnLst>
   </p:timing>
 </p:sld>
 </file>
 
-<file path=ppt/slides/slide15.xml><?xml version="1.0" encoding="utf-8"?>
+<file path=ppt/slides/slide16.xml><?xml version="1.0" encoding="utf-8"?>
 <p:sld xmlns:a="http://schemas.openxmlformats.org/drawingml/2006/main" xmlns:r="http://schemas.openxmlformats.org/officeDocument/2006/relationships" xmlns:p="http://schemas.openxmlformats.org/presentationml/2006/main">
   <p:cSld>
     <p:spTree>
@@ -9912,14 +10452,14 @@
           <a:noFill/>
           <a:ln/>
           <a:extLst>
-            <a:ext uri="{909E8E84-426E-40dd-AFC4-6F175D3DCCD1}">
+            <a:ext uri="{909E8E84-426E-40DD-AFC4-6F175D3DCCD1}">
               <a14:hiddenFill xmlns:a14="http://schemas.microsoft.com/office/drawing/2010/main">
                 <a:solidFill>
                   <a:srgbClr val="FFFFFF"/>
                 </a:solidFill>
               </a14:hiddenFill>
             </a:ext>
-            <a:ext uri="{91240B29-F687-4f45-9708-019B960494DF}">
+            <a:ext uri="{91240B29-F687-4F45-9708-019B960494DF}">
               <a14:hiddenLine xmlns:a14="http://schemas.microsoft.com/office/drawing/2010/main" w="9525">
                 <a:solidFill>
                   <a:srgbClr val="000000"/>
@@ -10047,7 +10587,7 @@
               <a:rPr lang="en-US" sz="1200" smtClean="0">
                 <a:latin typeface="Garamond" charset="0"/>
               </a:rPr>
-              <a:t>6/6/16</a:t>
+              <a:t>6/8/2016</a:t>
             </a:fld>
             <a:endParaRPr lang="en-US" sz="1200">
               <a:latin typeface="Garamond" charset="0"/>
@@ -10095,14 +10635,14 @@
           <a:noFill/>
           <a:ln/>
           <a:extLst>
-            <a:ext uri="{909E8E84-426E-40dd-AFC4-6F175D3DCCD1}">
+            <a:ext uri="{909E8E84-426E-40DD-AFC4-6F175D3DCCD1}">
               <a14:hiddenFill xmlns:a14="http://schemas.microsoft.com/office/drawing/2010/main">
                 <a:solidFill>
                   <a:srgbClr val="FFFFFF"/>
                 </a:solidFill>
               </a14:hiddenFill>
             </a:ext>
-            <a:ext uri="{91240B29-F687-4f45-9708-019B960494DF}">
+            <a:ext uri="{91240B29-F687-4F45-9708-019B960494DF}">
               <a14:hiddenLine xmlns:a14="http://schemas.microsoft.com/office/drawing/2010/main" w="9525">
                 <a:solidFill>
                   <a:srgbClr val="000000"/>
@@ -10231,7 +10771,7 @@
                 <a:latin typeface="Garamond" charset="0"/>
               </a:rPr>
               <a:pPr eaLnBrk="1" hangingPunct="1"/>
-              <a:t>15</a:t>
+              <a:t>16</a:t>
             </a:fld>
             <a:endParaRPr lang="en-US" sz="1200">
               <a:latin typeface="Garamond" charset="0"/>
@@ -10252,14 +10792,14 @@
   <p:timing>
     <p:tnLst>
       <p:par>
-        <p:cTn xmlns:p14="http://schemas.microsoft.com/office/powerpoint/2010/main" id="1" dur="indefinite" restart="never" nodeType="tmRoot"/>
+        <p:cTn id="1" dur="indefinite" restart="never" nodeType="tmRoot"/>
       </p:par>
     </p:tnLst>
   </p:timing>
 </p:sld>
 </file>
 
-<file path=ppt/slides/slide16.xml><?xml version="1.0" encoding="utf-8"?>
+<file path=ppt/slides/slide17.xml><?xml version="1.0" encoding="utf-8"?>
 <p:sld xmlns:a="http://schemas.openxmlformats.org/drawingml/2006/main" xmlns:r="http://schemas.openxmlformats.org/officeDocument/2006/relationships" xmlns:p="http://schemas.openxmlformats.org/presentationml/2006/main">
   <p:cSld>
     <p:spTree>
@@ -10500,14 +11040,14 @@
           <a:noFill/>
           <a:ln/>
           <a:extLst>
-            <a:ext uri="{909E8E84-426E-40dd-AFC4-6F175D3DCCD1}">
+            <a:ext uri="{909E8E84-426E-40DD-AFC4-6F175D3DCCD1}">
               <a14:hiddenFill xmlns:a14="http://schemas.microsoft.com/office/drawing/2010/main">
                 <a:solidFill>
                   <a:srgbClr val="FFFFFF"/>
                 </a:solidFill>
               </a14:hiddenFill>
             </a:ext>
-            <a:ext uri="{91240B29-F687-4f45-9708-019B960494DF}">
+            <a:ext uri="{91240B29-F687-4F45-9708-019B960494DF}">
               <a14:hiddenLine xmlns:a14="http://schemas.microsoft.com/office/drawing/2010/main" w="9525">
                 <a:solidFill>
                   <a:srgbClr val="000000"/>
@@ -10635,7 +11175,7 @@
               <a:rPr lang="en-US" sz="1200" smtClean="0">
                 <a:latin typeface="Garamond" charset="0"/>
               </a:rPr>
-              <a:t>6/6/16</a:t>
+              <a:t>6/8/2016</a:t>
             </a:fld>
             <a:endParaRPr lang="en-US" sz="1200">
               <a:latin typeface="Garamond" charset="0"/>
@@ -10683,14 +11223,14 @@
           <a:noFill/>
           <a:ln/>
           <a:extLst>
-            <a:ext uri="{909E8E84-426E-40dd-AFC4-6F175D3DCCD1}">
+            <a:ext uri="{909E8E84-426E-40DD-AFC4-6F175D3DCCD1}">
               <a14:hiddenFill xmlns:a14="http://schemas.microsoft.com/office/drawing/2010/main">
                 <a:solidFill>
                   <a:srgbClr val="FFFFFF"/>
                 </a:solidFill>
               </a14:hiddenFill>
             </a:ext>
-            <a:ext uri="{91240B29-F687-4f45-9708-019B960494DF}">
+            <a:ext uri="{91240B29-F687-4F45-9708-019B960494DF}">
               <a14:hiddenLine xmlns:a14="http://schemas.microsoft.com/office/drawing/2010/main" w="9525">
                 <a:solidFill>
                   <a:srgbClr val="000000"/>
@@ -10819,7 +11359,7 @@
                 <a:latin typeface="Garamond" charset="0"/>
               </a:rPr>
               <a:pPr eaLnBrk="1" hangingPunct="1"/>
-              <a:t>16</a:t>
+              <a:t>17</a:t>
             </a:fld>
             <a:endParaRPr lang="en-US" sz="1200">
               <a:latin typeface="Garamond" charset="0"/>
@@ -10840,14 +11380,14 @@
   <p:timing>
     <p:tnLst>
       <p:par>
-        <p:cTn xmlns:p14="http://schemas.microsoft.com/office/powerpoint/2010/main" id="1" dur="indefinite" restart="never" nodeType="tmRoot"/>
+        <p:cTn id="1" dur="indefinite" restart="never" nodeType="tmRoot"/>
       </p:par>
     </p:tnLst>
   </p:timing>
 </p:sld>
 </file>
 
-<file path=ppt/slides/slide17.xml><?xml version="1.0" encoding="utf-8"?>
+<file path=ppt/slides/slide18.xml><?xml version="1.0" encoding="utf-8"?>
 <p:sld xmlns:a="http://schemas.openxmlformats.org/drawingml/2006/main" xmlns:r="http://schemas.openxmlformats.org/officeDocument/2006/relationships" xmlns:p="http://schemas.openxmlformats.org/presentationml/2006/main">
   <p:cSld>
     <p:spTree>
@@ -10996,14 +11536,14 @@
           <a:noFill/>
           <a:ln/>
           <a:extLst>
-            <a:ext uri="{909E8E84-426E-40dd-AFC4-6F175D3DCCD1}">
+            <a:ext uri="{909E8E84-426E-40DD-AFC4-6F175D3DCCD1}">
               <a14:hiddenFill xmlns:a14="http://schemas.microsoft.com/office/drawing/2010/main">
                 <a:solidFill>
                   <a:srgbClr val="FFFFFF"/>
                 </a:solidFill>
               </a14:hiddenFill>
             </a:ext>
-            <a:ext uri="{91240B29-F687-4f45-9708-019B960494DF}">
+            <a:ext uri="{91240B29-F687-4F45-9708-019B960494DF}">
               <a14:hiddenLine xmlns:a14="http://schemas.microsoft.com/office/drawing/2010/main" w="9525">
                 <a:solidFill>
                   <a:srgbClr val="000000"/>
@@ -11131,7 +11671,7 @@
               <a:rPr lang="en-US" sz="1200" smtClean="0">
                 <a:latin typeface="Garamond" charset="0"/>
               </a:rPr>
-              <a:t>6/6/16</a:t>
+              <a:t>6/8/2016</a:t>
             </a:fld>
             <a:endParaRPr lang="en-US" sz="1200">
               <a:latin typeface="Garamond" charset="0"/>
@@ -11179,14 +11719,14 @@
           <a:noFill/>
           <a:ln/>
           <a:extLst>
-            <a:ext uri="{909E8E84-426E-40dd-AFC4-6F175D3DCCD1}">
+            <a:ext uri="{909E8E84-426E-40DD-AFC4-6F175D3DCCD1}">
               <a14:hiddenFill xmlns:a14="http://schemas.microsoft.com/office/drawing/2010/main">
                 <a:solidFill>
                   <a:srgbClr val="FFFFFF"/>
                 </a:solidFill>
               </a14:hiddenFill>
             </a:ext>
-            <a:ext uri="{91240B29-F687-4f45-9708-019B960494DF}">
+            <a:ext uri="{91240B29-F687-4F45-9708-019B960494DF}">
               <a14:hiddenLine xmlns:a14="http://schemas.microsoft.com/office/drawing/2010/main" w="9525">
                 <a:solidFill>
                   <a:srgbClr val="000000"/>
@@ -11315,7 +11855,7 @@
                 <a:latin typeface="Garamond" charset="0"/>
               </a:rPr>
               <a:pPr eaLnBrk="1" hangingPunct="1"/>
-              <a:t>17</a:t>
+              <a:t>18</a:t>
             </a:fld>
             <a:endParaRPr lang="en-US" sz="1200">
               <a:latin typeface="Garamond" charset="0"/>
@@ -11336,14 +11876,14 @@
   <p:timing>
     <p:tnLst>
       <p:par>
-        <p:cTn xmlns:p14="http://schemas.microsoft.com/office/powerpoint/2010/main" id="1" dur="indefinite" restart="never" nodeType="tmRoot"/>
+        <p:cTn id="1" dur="indefinite" restart="never" nodeType="tmRoot"/>
       </p:par>
     </p:tnLst>
   </p:timing>
 </p:sld>
 </file>
 
-<file path=ppt/slides/slide18.xml><?xml version="1.0" encoding="utf-8"?>
+<file path=ppt/slides/slide19.xml><?xml version="1.0" encoding="utf-8"?>
 <p:sld xmlns:a="http://schemas.openxmlformats.org/drawingml/2006/main" xmlns:r="http://schemas.openxmlformats.org/officeDocument/2006/relationships" xmlns:p="http://schemas.openxmlformats.org/presentationml/2006/main">
   <p:cSld>
     <p:spTree>
@@ -11961,14 +12501,14 @@
           <a:noFill/>
           <a:ln/>
           <a:extLst>
-            <a:ext uri="{909E8E84-426E-40dd-AFC4-6F175D3DCCD1}">
+            <a:ext uri="{909E8E84-426E-40DD-AFC4-6F175D3DCCD1}">
               <a14:hiddenFill xmlns:a14="http://schemas.microsoft.com/office/drawing/2010/main">
                 <a:solidFill>
                   <a:srgbClr val="FFFFFF"/>
                 </a:solidFill>
               </a14:hiddenFill>
             </a:ext>
-            <a:ext uri="{91240B29-F687-4f45-9708-019B960494DF}">
+            <a:ext uri="{91240B29-F687-4F45-9708-019B960494DF}">
               <a14:hiddenLine xmlns:a14="http://schemas.microsoft.com/office/drawing/2010/main" w="9525">
                 <a:solidFill>
                   <a:srgbClr val="000000"/>
@@ -12096,7 +12636,7 @@
               <a:rPr lang="en-US" sz="1200" smtClean="0">
                 <a:latin typeface="Garamond" charset="0"/>
               </a:rPr>
-              <a:t>6/6/16</a:t>
+              <a:t>6/8/2016</a:t>
             </a:fld>
             <a:endParaRPr lang="en-US" sz="1200">
               <a:latin typeface="Garamond" charset="0"/>
@@ -12144,14 +12684,14 @@
           <a:noFill/>
           <a:ln/>
           <a:extLst>
-            <a:ext uri="{909E8E84-426E-40dd-AFC4-6F175D3DCCD1}">
+            <a:ext uri="{909E8E84-426E-40DD-AFC4-6F175D3DCCD1}">
               <a14:hiddenFill xmlns:a14="http://schemas.microsoft.com/office/drawing/2010/main">
                 <a:solidFill>
                   <a:srgbClr val="FFFFFF"/>
                 </a:solidFill>
               </a14:hiddenFill>
             </a:ext>
-            <a:ext uri="{91240B29-F687-4f45-9708-019B960494DF}">
+            <a:ext uri="{91240B29-F687-4F45-9708-019B960494DF}">
               <a14:hiddenLine xmlns:a14="http://schemas.microsoft.com/office/drawing/2010/main" w="9525">
                 <a:solidFill>
                   <a:srgbClr val="000000"/>
@@ -12280,7 +12820,7 @@
                 <a:latin typeface="Garamond" charset="0"/>
               </a:rPr>
               <a:pPr eaLnBrk="1" hangingPunct="1"/>
-              <a:t>18</a:t>
+              <a:t>19</a:t>
             </a:fld>
             <a:endParaRPr lang="en-US" sz="1200">
               <a:latin typeface="Garamond" charset="0"/>
@@ -12301,546 +12841,7 @@
   <p:timing>
     <p:tnLst>
       <p:par>
-        <p:cTn xmlns:p14="http://schemas.microsoft.com/office/powerpoint/2010/main" id="1" dur="indefinite" restart="never" nodeType="tmRoot"/>
-      </p:par>
-    </p:tnLst>
-  </p:timing>
-</p:sld>
-</file>
-
-<file path=ppt/slides/slide19.xml><?xml version="1.0" encoding="utf-8"?>
-<p:sld xmlns:a="http://schemas.openxmlformats.org/drawingml/2006/main" xmlns:r="http://schemas.openxmlformats.org/officeDocument/2006/relationships" xmlns:p="http://schemas.openxmlformats.org/presentationml/2006/main">
-  <p:cSld>
-    <p:spTree>
-      <p:nvGrpSpPr>
-        <p:cNvPr id="1" name=""/>
-        <p:cNvGrpSpPr/>
-        <p:nvPr/>
-      </p:nvGrpSpPr>
-      <p:grpSpPr>
-        <a:xfrm>
-          <a:off x="0" y="0"/>
-          <a:ext cx="0" cy="0"/>
-          <a:chOff x="0" y="0"/>
-          <a:chExt cx="0" cy="0"/>
-        </a:xfrm>
-      </p:grpSpPr>
-      <p:sp>
-        <p:nvSpPr>
-          <p:cNvPr id="40961" name="Title 1"/>
-          <p:cNvSpPr>
-            <a:spLocks noGrp="1"/>
-          </p:cNvSpPr>
-          <p:nvPr>
-            <p:ph type="title"/>
-          </p:nvPr>
-        </p:nvSpPr>
-        <p:spPr/>
-        <p:txBody>
-          <a:bodyPr/>
-          <a:lstStyle/>
-          <a:p>
-            <a:r>
-              <a:rPr lang="en-US">
-                <a:latin typeface="Garamond" charset="0"/>
-              </a:rPr>
-              <a:t>Final notes</a:t>
-            </a:r>
-          </a:p>
-        </p:txBody>
-      </p:sp>
-      <p:sp>
-        <p:nvSpPr>
-          <p:cNvPr id="40962" name="Content Placeholder 2"/>
-          <p:cNvSpPr>
-            <a:spLocks noGrp="1"/>
-          </p:cNvSpPr>
-          <p:nvPr>
-            <p:ph idx="1"/>
-          </p:nvPr>
-        </p:nvSpPr>
-        <p:spPr/>
-        <p:txBody>
-          <a:bodyPr>
-            <a:normAutofit lnSpcReduction="10000"/>
-          </a:bodyPr>
-          <a:lstStyle/>
-          <a:p>
-            <a:r>
-              <a:rPr lang="en-US" dirty="0">
-                <a:latin typeface="Arial" charset="0"/>
-              </a:rPr>
-              <a:t>Next time</a:t>
-            </a:r>
-          </a:p>
-          <a:p>
-            <a:pPr lvl="1"/>
-            <a:r>
-              <a:rPr lang="en-US" smtClean="0">
-                <a:latin typeface="Arial" charset="0"/>
-              </a:rPr>
-              <a:t>Structures</a:t>
-            </a:r>
-          </a:p>
-          <a:p>
-            <a:pPr lvl="1"/>
-            <a:r>
-              <a:rPr lang="en-US" dirty="0" smtClean="0">
-                <a:latin typeface="Arial" charset="0"/>
-              </a:rPr>
-              <a:t>Exam </a:t>
-            </a:r>
-            <a:r>
-              <a:rPr lang="en-US" dirty="0" smtClean="0">
-                <a:latin typeface="Arial" charset="0"/>
-              </a:rPr>
-              <a:t>2 Preview</a:t>
-            </a:r>
-            <a:endParaRPr lang="en-US" dirty="0">
-              <a:latin typeface="Arial" charset="0"/>
-            </a:endParaRPr>
-          </a:p>
-          <a:p>
-            <a:r>
-              <a:rPr lang="en-US" dirty="0">
-                <a:latin typeface="Arial" charset="0"/>
-              </a:rPr>
-              <a:t>Reminders:</a:t>
-            </a:r>
-          </a:p>
-          <a:p>
-            <a:pPr lvl="1"/>
-            <a:r>
-              <a:rPr lang="en-US" dirty="0">
-                <a:latin typeface="Arial" charset="0"/>
-              </a:rPr>
-              <a:t>Program 6 due 6/9</a:t>
-            </a:r>
-          </a:p>
-          <a:p>
-            <a:pPr lvl="1"/>
-            <a:r>
-              <a:rPr lang="en-US" dirty="0">
-                <a:latin typeface="Arial" charset="0"/>
-              </a:rPr>
-              <a:t>P1, P2 grades complete; </a:t>
-            </a:r>
-            <a:r>
-              <a:rPr lang="en-US" dirty="0" err="1">
-                <a:latin typeface="Arial" charset="0"/>
-              </a:rPr>
-              <a:t>regrades</a:t>
-            </a:r>
-            <a:r>
-              <a:rPr lang="en-US" dirty="0">
-                <a:latin typeface="Arial" charset="0"/>
-              </a:rPr>
-              <a:t> due 6/24 (deadline for all programs)</a:t>
-            </a:r>
-          </a:p>
-          <a:p>
-            <a:pPr lvl="2"/>
-            <a:r>
-              <a:rPr lang="en-US" dirty="0">
-                <a:latin typeface="Arial" charset="0"/>
-              </a:rPr>
-              <a:t>Fix errors and overwrite old file in </a:t>
-            </a:r>
-            <a:r>
-              <a:rPr lang="en-US" dirty="0" err="1">
-                <a:latin typeface="Arial" charset="0"/>
-              </a:rPr>
-              <a:t>Dropbox</a:t>
-            </a:r>
-            <a:r>
-              <a:rPr lang="en-US" dirty="0">
-                <a:latin typeface="Arial" charset="0"/>
-              </a:rPr>
-              <a:t> folder—do not create new version of same file</a:t>
-            </a:r>
-          </a:p>
-          <a:p>
-            <a:pPr lvl="2"/>
-            <a:r>
-              <a:rPr lang="en-US" dirty="0">
-                <a:latin typeface="Arial" charset="0"/>
-              </a:rPr>
-              <a:t>E-mail Dr. Geiger once new submission uploaded</a:t>
-            </a:r>
-          </a:p>
-          <a:p>
-            <a:pPr lvl="1"/>
-            <a:r>
-              <a:rPr lang="en-US" dirty="0">
-                <a:latin typeface="Arial" charset="0"/>
-              </a:rPr>
-              <a:t>Exam 2: Monday, 6/13</a:t>
-            </a:r>
-          </a:p>
-          <a:p>
-            <a:pPr lvl="2"/>
-            <a:r>
-              <a:rPr lang="en-US" dirty="0">
-                <a:latin typeface="Arial" charset="0"/>
-              </a:rPr>
-              <a:t>Will be allowed one 8.5” x 11” note sheet</a:t>
-            </a:r>
-            <a:endParaRPr lang="en-US" dirty="0">
-              <a:latin typeface="Arial" charset="0"/>
-            </a:endParaRPr>
-          </a:p>
-        </p:txBody>
-      </p:sp>
-      <p:sp>
-        <p:nvSpPr>
-          <p:cNvPr id="40963" name="Date Placeholder 3"/>
-          <p:cNvSpPr>
-            <a:spLocks noGrp="1"/>
-          </p:cNvSpPr>
-          <p:nvPr>
-            <p:ph type="dt" sz="quarter" idx="10"/>
-          </p:nvPr>
-        </p:nvSpPr>
-        <p:spPr>
-          <a:noFill/>
-          <a:ln/>
-          <a:extLst>
-            <a:ext uri="{909E8E84-426E-40dd-AFC4-6F175D3DCCD1}">
-              <a14:hiddenFill xmlns:a14="http://schemas.microsoft.com/office/drawing/2010/main">
-                <a:solidFill>
-                  <a:srgbClr val="FFFFFF"/>
-                </a:solidFill>
-              </a14:hiddenFill>
-            </a:ext>
-            <a:ext uri="{91240B29-F687-4f45-9708-019B960494DF}">
-              <a14:hiddenLine xmlns:a14="http://schemas.microsoft.com/office/drawing/2010/main" w="9525">
-                <a:solidFill>
-                  <a:srgbClr val="000000"/>
-                </a:solidFill>
-                <a:miter lim="800000"/>
-                <a:headEnd/>
-                <a:tailEnd/>
-              </a14:hiddenLine>
-            </a:ext>
-          </a:extLst>
-        </p:spPr>
-        <p:txBody>
-          <a:bodyPr/>
-          <a:lstStyle>
-            <a:lvl1pPr eaLnBrk="0" hangingPunct="0">
-              <a:defRPr sz="2400">
-                <a:solidFill>
-                  <a:schemeClr val="tx1"/>
-                </a:solidFill>
-                <a:latin typeface="Arial" charset="0"/>
-                <a:ea typeface="ＭＳ Ｐゴシック" charset="0"/>
-                <a:cs typeface="ＭＳ Ｐゴシック" charset="0"/>
-              </a:defRPr>
-            </a:lvl1pPr>
-            <a:lvl2pPr marL="742950" indent="-285750" eaLnBrk="0" hangingPunct="0">
-              <a:defRPr sz="2400">
-                <a:solidFill>
-                  <a:schemeClr val="tx1"/>
-                </a:solidFill>
-                <a:latin typeface="Arial" charset="0"/>
-                <a:ea typeface="ＭＳ Ｐゴシック" charset="0"/>
-              </a:defRPr>
-            </a:lvl2pPr>
-            <a:lvl3pPr marL="1143000" indent="-228600" eaLnBrk="0" hangingPunct="0">
-              <a:defRPr sz="2400">
-                <a:solidFill>
-                  <a:schemeClr val="tx1"/>
-                </a:solidFill>
-                <a:latin typeface="Arial" charset="0"/>
-                <a:ea typeface="ＭＳ Ｐゴシック" charset="0"/>
-              </a:defRPr>
-            </a:lvl3pPr>
-            <a:lvl4pPr marL="1600200" indent="-228600" eaLnBrk="0" hangingPunct="0">
-              <a:defRPr sz="2400">
-                <a:solidFill>
-                  <a:schemeClr val="tx1"/>
-                </a:solidFill>
-                <a:latin typeface="Arial" charset="0"/>
-                <a:ea typeface="ＭＳ Ｐゴシック" charset="0"/>
-              </a:defRPr>
-            </a:lvl4pPr>
-            <a:lvl5pPr marL="2057400" indent="-228600" eaLnBrk="0" hangingPunct="0">
-              <a:defRPr sz="2400">
-                <a:solidFill>
-                  <a:schemeClr val="tx1"/>
-                </a:solidFill>
-                <a:latin typeface="Arial" charset="0"/>
-                <a:ea typeface="ＭＳ Ｐゴシック" charset="0"/>
-              </a:defRPr>
-            </a:lvl5pPr>
-            <a:lvl6pPr marL="2514600" indent="-228600" eaLnBrk="0" fontAlgn="base" hangingPunct="0">
-              <a:spcBef>
-                <a:spcPct val="0"/>
-              </a:spcBef>
-              <a:spcAft>
-                <a:spcPct val="0"/>
-              </a:spcAft>
-              <a:defRPr sz="2400">
-                <a:solidFill>
-                  <a:schemeClr val="tx1"/>
-                </a:solidFill>
-                <a:latin typeface="Arial" charset="0"/>
-                <a:ea typeface="ＭＳ Ｐゴシック" charset="0"/>
-              </a:defRPr>
-            </a:lvl6pPr>
-            <a:lvl7pPr marL="2971800" indent="-228600" eaLnBrk="0" fontAlgn="base" hangingPunct="0">
-              <a:spcBef>
-                <a:spcPct val="0"/>
-              </a:spcBef>
-              <a:spcAft>
-                <a:spcPct val="0"/>
-              </a:spcAft>
-              <a:defRPr sz="2400">
-                <a:solidFill>
-                  <a:schemeClr val="tx1"/>
-                </a:solidFill>
-                <a:latin typeface="Arial" charset="0"/>
-                <a:ea typeface="ＭＳ Ｐゴシック" charset="0"/>
-              </a:defRPr>
-            </a:lvl7pPr>
-            <a:lvl8pPr marL="3429000" indent="-228600" eaLnBrk="0" fontAlgn="base" hangingPunct="0">
-              <a:spcBef>
-                <a:spcPct val="0"/>
-              </a:spcBef>
-              <a:spcAft>
-                <a:spcPct val="0"/>
-              </a:spcAft>
-              <a:defRPr sz="2400">
-                <a:solidFill>
-                  <a:schemeClr val="tx1"/>
-                </a:solidFill>
-                <a:latin typeface="Arial" charset="0"/>
-                <a:ea typeface="ＭＳ Ｐゴシック" charset="0"/>
-              </a:defRPr>
-            </a:lvl8pPr>
-            <a:lvl9pPr marL="3886200" indent="-228600" eaLnBrk="0" fontAlgn="base" hangingPunct="0">
-              <a:spcBef>
-                <a:spcPct val="0"/>
-              </a:spcBef>
-              <a:spcAft>
-                <a:spcPct val="0"/>
-              </a:spcAft>
-              <a:defRPr sz="2400">
-                <a:solidFill>
-                  <a:schemeClr val="tx1"/>
-                </a:solidFill>
-                <a:latin typeface="Arial" charset="0"/>
-                <a:ea typeface="ＭＳ Ｐゴシック" charset="0"/>
-              </a:defRPr>
-            </a:lvl9pPr>
-          </a:lstStyle>
-          <a:p>
-            <a:pPr eaLnBrk="1" hangingPunct="1"/>
-            <a:fld id="{89A21D30-5BD6-6949-9445-4F4B3810ED66}" type="datetime1">
-              <a:rPr lang="en-US" sz="1200" smtClean="0">
-                <a:latin typeface="Garamond" charset="0"/>
-              </a:rPr>
-              <a:t>6/6/16</a:t>
-            </a:fld>
-            <a:endParaRPr lang="en-US" sz="1200">
-              <a:latin typeface="Garamond" charset="0"/>
-            </a:endParaRPr>
-          </a:p>
-        </p:txBody>
-      </p:sp>
-      <p:sp>
-        <p:nvSpPr>
-          <p:cNvPr id="5" name="Footer Placeholder 4"/>
-          <p:cNvSpPr>
-            <a:spLocks noGrp="1"/>
-          </p:cNvSpPr>
-          <p:nvPr>
-            <p:ph type="ftr" sz="quarter" idx="11"/>
-          </p:nvPr>
-        </p:nvSpPr>
-        <p:spPr/>
-        <p:txBody>
-          <a:bodyPr/>
-          <a:lstStyle/>
-          <a:p>
-            <a:pPr>
-              <a:defRPr/>
-            </a:pPr>
-            <a:r>
-              <a:rPr lang="en-US" altLang="en-US" smtClean="0"/>
-              <a:t>ECE Application Programming: Lecture 22</a:t>
-            </a:r>
-            <a:endParaRPr lang="en-US" altLang="en-US"/>
-          </a:p>
-        </p:txBody>
-      </p:sp>
-      <p:sp>
-        <p:nvSpPr>
-          <p:cNvPr id="40965" name="Slide Number Placeholder 5"/>
-          <p:cNvSpPr>
-            <a:spLocks noGrp="1"/>
-          </p:cNvSpPr>
-          <p:nvPr>
-            <p:ph type="sldNum" sz="quarter" idx="12"/>
-          </p:nvPr>
-        </p:nvSpPr>
-        <p:spPr>
-          <a:noFill/>
-          <a:ln/>
-          <a:extLst>
-            <a:ext uri="{909E8E84-426E-40dd-AFC4-6F175D3DCCD1}">
-              <a14:hiddenFill xmlns:a14="http://schemas.microsoft.com/office/drawing/2010/main">
-                <a:solidFill>
-                  <a:srgbClr val="FFFFFF"/>
-                </a:solidFill>
-              </a14:hiddenFill>
-            </a:ext>
-            <a:ext uri="{91240B29-F687-4f45-9708-019B960494DF}">
-              <a14:hiddenLine xmlns:a14="http://schemas.microsoft.com/office/drawing/2010/main" w="9525">
-                <a:solidFill>
-                  <a:srgbClr val="000000"/>
-                </a:solidFill>
-                <a:miter lim="800000"/>
-                <a:headEnd/>
-                <a:tailEnd/>
-              </a14:hiddenLine>
-            </a:ext>
-          </a:extLst>
-        </p:spPr>
-        <p:txBody>
-          <a:bodyPr/>
-          <a:lstStyle>
-            <a:lvl1pPr eaLnBrk="0" hangingPunct="0">
-              <a:defRPr sz="2400">
-                <a:solidFill>
-                  <a:schemeClr val="tx1"/>
-                </a:solidFill>
-                <a:latin typeface="Arial" charset="0"/>
-                <a:ea typeface="ＭＳ Ｐゴシック" charset="0"/>
-                <a:cs typeface="ＭＳ Ｐゴシック" charset="0"/>
-              </a:defRPr>
-            </a:lvl1pPr>
-            <a:lvl2pPr marL="742950" indent="-285750" eaLnBrk="0" hangingPunct="0">
-              <a:defRPr sz="2400">
-                <a:solidFill>
-                  <a:schemeClr val="tx1"/>
-                </a:solidFill>
-                <a:latin typeface="Arial" charset="0"/>
-                <a:ea typeface="ＭＳ Ｐゴシック" charset="0"/>
-              </a:defRPr>
-            </a:lvl2pPr>
-            <a:lvl3pPr marL="1143000" indent="-228600" eaLnBrk="0" hangingPunct="0">
-              <a:defRPr sz="2400">
-                <a:solidFill>
-                  <a:schemeClr val="tx1"/>
-                </a:solidFill>
-                <a:latin typeface="Arial" charset="0"/>
-                <a:ea typeface="ＭＳ Ｐゴシック" charset="0"/>
-              </a:defRPr>
-            </a:lvl3pPr>
-            <a:lvl4pPr marL="1600200" indent="-228600" eaLnBrk="0" hangingPunct="0">
-              <a:defRPr sz="2400">
-                <a:solidFill>
-                  <a:schemeClr val="tx1"/>
-                </a:solidFill>
-                <a:latin typeface="Arial" charset="0"/>
-                <a:ea typeface="ＭＳ Ｐゴシック" charset="0"/>
-              </a:defRPr>
-            </a:lvl4pPr>
-            <a:lvl5pPr marL="2057400" indent="-228600" eaLnBrk="0" hangingPunct="0">
-              <a:defRPr sz="2400">
-                <a:solidFill>
-                  <a:schemeClr val="tx1"/>
-                </a:solidFill>
-                <a:latin typeface="Arial" charset="0"/>
-                <a:ea typeface="ＭＳ Ｐゴシック" charset="0"/>
-              </a:defRPr>
-            </a:lvl5pPr>
-            <a:lvl6pPr marL="2514600" indent="-228600" eaLnBrk="0" fontAlgn="base" hangingPunct="0">
-              <a:spcBef>
-                <a:spcPct val="0"/>
-              </a:spcBef>
-              <a:spcAft>
-                <a:spcPct val="0"/>
-              </a:spcAft>
-              <a:defRPr sz="2400">
-                <a:solidFill>
-                  <a:schemeClr val="tx1"/>
-                </a:solidFill>
-                <a:latin typeface="Arial" charset="0"/>
-                <a:ea typeface="ＭＳ Ｐゴシック" charset="0"/>
-              </a:defRPr>
-            </a:lvl6pPr>
-            <a:lvl7pPr marL="2971800" indent="-228600" eaLnBrk="0" fontAlgn="base" hangingPunct="0">
-              <a:spcBef>
-                <a:spcPct val="0"/>
-              </a:spcBef>
-              <a:spcAft>
-                <a:spcPct val="0"/>
-              </a:spcAft>
-              <a:defRPr sz="2400">
-                <a:solidFill>
-                  <a:schemeClr val="tx1"/>
-                </a:solidFill>
-                <a:latin typeface="Arial" charset="0"/>
-                <a:ea typeface="ＭＳ Ｐゴシック" charset="0"/>
-              </a:defRPr>
-            </a:lvl7pPr>
-            <a:lvl8pPr marL="3429000" indent="-228600" eaLnBrk="0" fontAlgn="base" hangingPunct="0">
-              <a:spcBef>
-                <a:spcPct val="0"/>
-              </a:spcBef>
-              <a:spcAft>
-                <a:spcPct val="0"/>
-              </a:spcAft>
-              <a:defRPr sz="2400">
-                <a:solidFill>
-                  <a:schemeClr val="tx1"/>
-                </a:solidFill>
-                <a:latin typeface="Arial" charset="0"/>
-                <a:ea typeface="ＭＳ Ｐゴシック" charset="0"/>
-              </a:defRPr>
-            </a:lvl8pPr>
-            <a:lvl9pPr marL="3886200" indent="-228600" eaLnBrk="0" fontAlgn="base" hangingPunct="0">
-              <a:spcBef>
-                <a:spcPct val="0"/>
-              </a:spcBef>
-              <a:spcAft>
-                <a:spcPct val="0"/>
-              </a:spcAft>
-              <a:defRPr sz="2400">
-                <a:solidFill>
-                  <a:schemeClr val="tx1"/>
-                </a:solidFill>
-                <a:latin typeface="Arial" charset="0"/>
-                <a:ea typeface="ＭＳ Ｐゴシック" charset="0"/>
-              </a:defRPr>
-            </a:lvl9pPr>
-          </a:lstStyle>
-          <a:p>
-            <a:pPr eaLnBrk="1" hangingPunct="1"/>
-            <a:fld id="{995840FA-E6F5-0343-A066-8FDDE6435D57}" type="slidenum">
-              <a:rPr lang="en-US" sz="1200">
-                <a:latin typeface="Garamond" charset="0"/>
-              </a:rPr>
-              <a:pPr eaLnBrk="1" hangingPunct="1"/>
-              <a:t>19</a:t>
-            </a:fld>
-            <a:endParaRPr lang="en-US" sz="1200">
-              <a:latin typeface="Garamond" charset="0"/>
-            </a:endParaRPr>
-          </a:p>
-        </p:txBody>
-      </p:sp>
-    </p:spTree>
-  </p:cSld>
-  <p:clrMapOvr>
-    <a:masterClrMapping/>
-  </p:clrMapOvr>
-  <p:timing>
-    <p:tnLst>
-      <p:par>
-        <p:cTn xmlns:p14="http://schemas.microsoft.com/office/powerpoint/2010/main" id="1" dur="indefinite" restart="never" nodeType="tmRoot"/>
+        <p:cTn id="1" dur="indefinite" restart="never" nodeType="tmRoot"/>
       </p:par>
     </p:tnLst>
   </p:timing>
@@ -13067,14 +13068,14 @@
           <a:noFill/>
           <a:ln/>
           <a:extLst>
-            <a:ext uri="{909E8E84-426E-40dd-AFC4-6F175D3DCCD1}">
+            <a:ext uri="{909E8E84-426E-40DD-AFC4-6F175D3DCCD1}">
               <a14:hiddenFill xmlns:a14="http://schemas.microsoft.com/office/drawing/2010/main">
                 <a:solidFill>
                   <a:srgbClr val="FFFFFF"/>
                 </a:solidFill>
               </a14:hiddenFill>
             </a:ext>
-            <a:ext uri="{91240B29-F687-4f45-9708-019B960494DF}">
+            <a:ext uri="{91240B29-F687-4F45-9708-019B960494DF}">
               <a14:hiddenLine xmlns:a14="http://schemas.microsoft.com/office/drawing/2010/main" w="9525">
                 <a:solidFill>
                   <a:srgbClr val="000000"/>
@@ -13202,7 +13203,7 @@
               <a:rPr lang="en-US" sz="1200" smtClean="0">
                 <a:latin typeface="Garamond" charset="0"/>
               </a:rPr>
-              <a:t>6/6/16</a:t>
+              <a:t>6/8/2016</a:t>
             </a:fld>
             <a:endParaRPr lang="en-US" sz="1200">
               <a:latin typeface="Garamond" charset="0"/>
@@ -13250,14 +13251,14 @@
           <a:noFill/>
           <a:ln/>
           <a:extLst>
-            <a:ext uri="{909E8E84-426E-40dd-AFC4-6F175D3DCCD1}">
+            <a:ext uri="{909E8E84-426E-40DD-AFC4-6F175D3DCCD1}">
               <a14:hiddenFill xmlns:a14="http://schemas.microsoft.com/office/drawing/2010/main">
                 <a:solidFill>
                   <a:srgbClr val="FFFFFF"/>
                 </a:solidFill>
               </a14:hiddenFill>
             </a:ext>
-            <a:ext uri="{91240B29-F687-4f45-9708-019B960494DF}">
+            <a:ext uri="{91240B29-F687-4F45-9708-019B960494DF}">
               <a14:hiddenLine xmlns:a14="http://schemas.microsoft.com/office/drawing/2010/main" w="9525">
                 <a:solidFill>
                   <a:srgbClr val="000000"/>
@@ -13402,7 +13403,537 @@
   <p:timing>
     <p:tnLst>
       <p:par>
-        <p:cTn xmlns:p14="http://schemas.microsoft.com/office/powerpoint/2010/main" id="1" dur="indefinite" restart="never" nodeType="tmRoot"/>
+        <p:cTn id="1" dur="indefinite" restart="never" nodeType="tmRoot"/>
+      </p:par>
+    </p:tnLst>
+  </p:timing>
+</p:sld>
+</file>
+
+<file path=ppt/slides/slide20.xml><?xml version="1.0" encoding="utf-8"?>
+<p:sld xmlns:a="http://schemas.openxmlformats.org/drawingml/2006/main" xmlns:r="http://schemas.openxmlformats.org/officeDocument/2006/relationships" xmlns:p="http://schemas.openxmlformats.org/presentationml/2006/main">
+  <p:cSld>
+    <p:spTree>
+      <p:nvGrpSpPr>
+        <p:cNvPr id="1" name=""/>
+        <p:cNvGrpSpPr/>
+        <p:nvPr/>
+      </p:nvGrpSpPr>
+      <p:grpSpPr>
+        <a:xfrm>
+          <a:off x="0" y="0"/>
+          <a:ext cx="0" cy="0"/>
+          <a:chOff x="0" y="0"/>
+          <a:chExt cx="0" cy="0"/>
+        </a:xfrm>
+      </p:grpSpPr>
+      <p:sp>
+        <p:nvSpPr>
+          <p:cNvPr id="40961" name="Title 1"/>
+          <p:cNvSpPr>
+            <a:spLocks noGrp="1"/>
+          </p:cNvSpPr>
+          <p:nvPr>
+            <p:ph type="title"/>
+          </p:nvPr>
+        </p:nvSpPr>
+        <p:spPr/>
+        <p:txBody>
+          <a:bodyPr/>
+          <a:lstStyle/>
+          <a:p>
+            <a:r>
+              <a:rPr lang="en-US">
+                <a:latin typeface="Garamond" charset="0"/>
+              </a:rPr>
+              <a:t>Final notes</a:t>
+            </a:r>
+          </a:p>
+        </p:txBody>
+      </p:sp>
+      <p:sp>
+        <p:nvSpPr>
+          <p:cNvPr id="40962" name="Content Placeholder 2"/>
+          <p:cNvSpPr>
+            <a:spLocks noGrp="1"/>
+          </p:cNvSpPr>
+          <p:nvPr>
+            <p:ph idx="1"/>
+          </p:nvPr>
+        </p:nvSpPr>
+        <p:spPr/>
+        <p:txBody>
+          <a:bodyPr>
+            <a:normAutofit lnSpcReduction="10000"/>
+          </a:bodyPr>
+          <a:lstStyle/>
+          <a:p>
+            <a:r>
+              <a:rPr lang="en-US" dirty="0">
+                <a:latin typeface="Arial" charset="0"/>
+              </a:rPr>
+              <a:t>Next time</a:t>
+            </a:r>
+          </a:p>
+          <a:p>
+            <a:pPr lvl="1"/>
+            <a:r>
+              <a:rPr lang="en-US" smtClean="0">
+                <a:latin typeface="Arial" charset="0"/>
+              </a:rPr>
+              <a:t>Structures</a:t>
+            </a:r>
+          </a:p>
+          <a:p>
+            <a:pPr lvl="1"/>
+            <a:r>
+              <a:rPr lang="en-US" dirty="0" smtClean="0">
+                <a:latin typeface="Arial" charset="0"/>
+              </a:rPr>
+              <a:t>Exam 2 Preview</a:t>
+            </a:r>
+            <a:endParaRPr lang="en-US" dirty="0">
+              <a:latin typeface="Arial" charset="0"/>
+            </a:endParaRPr>
+          </a:p>
+          <a:p>
+            <a:r>
+              <a:rPr lang="en-US" dirty="0">
+                <a:latin typeface="Arial" charset="0"/>
+              </a:rPr>
+              <a:t>Reminders:</a:t>
+            </a:r>
+          </a:p>
+          <a:p>
+            <a:pPr lvl="1"/>
+            <a:r>
+              <a:rPr lang="en-US" dirty="0">
+                <a:latin typeface="Arial" charset="0"/>
+              </a:rPr>
+              <a:t>Program 6 due 6/9</a:t>
+            </a:r>
+          </a:p>
+          <a:p>
+            <a:pPr lvl="1"/>
+            <a:r>
+              <a:rPr lang="en-US" dirty="0">
+                <a:latin typeface="Arial" charset="0"/>
+              </a:rPr>
+              <a:t>P1, P2 grades complete; </a:t>
+            </a:r>
+            <a:r>
+              <a:rPr lang="en-US" dirty="0" err="1">
+                <a:latin typeface="Arial" charset="0"/>
+              </a:rPr>
+              <a:t>regrades</a:t>
+            </a:r>
+            <a:r>
+              <a:rPr lang="en-US" dirty="0">
+                <a:latin typeface="Arial" charset="0"/>
+              </a:rPr>
+              <a:t> due 6/24 (deadline for all programs)</a:t>
+            </a:r>
+          </a:p>
+          <a:p>
+            <a:pPr lvl="2"/>
+            <a:r>
+              <a:rPr lang="en-US" dirty="0">
+                <a:latin typeface="Arial" charset="0"/>
+              </a:rPr>
+              <a:t>Fix errors and overwrite old file in </a:t>
+            </a:r>
+            <a:r>
+              <a:rPr lang="en-US" dirty="0" err="1">
+                <a:latin typeface="Arial" charset="0"/>
+              </a:rPr>
+              <a:t>Dropbox</a:t>
+            </a:r>
+            <a:r>
+              <a:rPr lang="en-US" dirty="0">
+                <a:latin typeface="Arial" charset="0"/>
+              </a:rPr>
+              <a:t> folder—do not create new version of same file</a:t>
+            </a:r>
+          </a:p>
+          <a:p>
+            <a:pPr lvl="2"/>
+            <a:r>
+              <a:rPr lang="en-US" dirty="0">
+                <a:latin typeface="Arial" charset="0"/>
+              </a:rPr>
+              <a:t>E-mail Dr. Geiger once new submission uploaded</a:t>
+            </a:r>
+          </a:p>
+          <a:p>
+            <a:pPr lvl="1"/>
+            <a:r>
+              <a:rPr lang="en-US" dirty="0">
+                <a:latin typeface="Arial" charset="0"/>
+              </a:rPr>
+              <a:t>Exam 2: Monday, 6/13</a:t>
+            </a:r>
+          </a:p>
+          <a:p>
+            <a:pPr lvl="2"/>
+            <a:r>
+              <a:rPr lang="en-US" dirty="0">
+                <a:latin typeface="Arial" charset="0"/>
+              </a:rPr>
+              <a:t>Will be allowed one 8.5” x 11” note sheet</a:t>
+            </a:r>
+          </a:p>
+        </p:txBody>
+      </p:sp>
+      <p:sp>
+        <p:nvSpPr>
+          <p:cNvPr id="40963" name="Date Placeholder 3"/>
+          <p:cNvSpPr>
+            <a:spLocks noGrp="1"/>
+          </p:cNvSpPr>
+          <p:nvPr>
+            <p:ph type="dt" sz="quarter" idx="10"/>
+          </p:nvPr>
+        </p:nvSpPr>
+        <p:spPr>
+          <a:noFill/>
+          <a:ln/>
+          <a:extLst>
+            <a:ext uri="{909E8E84-426E-40DD-AFC4-6F175D3DCCD1}">
+              <a14:hiddenFill xmlns:a14="http://schemas.microsoft.com/office/drawing/2010/main">
+                <a:solidFill>
+                  <a:srgbClr val="FFFFFF"/>
+                </a:solidFill>
+              </a14:hiddenFill>
+            </a:ext>
+            <a:ext uri="{91240B29-F687-4F45-9708-019B960494DF}">
+              <a14:hiddenLine xmlns:a14="http://schemas.microsoft.com/office/drawing/2010/main" w="9525">
+                <a:solidFill>
+                  <a:srgbClr val="000000"/>
+                </a:solidFill>
+                <a:miter lim="800000"/>
+                <a:headEnd/>
+                <a:tailEnd/>
+              </a14:hiddenLine>
+            </a:ext>
+          </a:extLst>
+        </p:spPr>
+        <p:txBody>
+          <a:bodyPr/>
+          <a:lstStyle>
+            <a:lvl1pPr eaLnBrk="0" hangingPunct="0">
+              <a:defRPr sz="2400">
+                <a:solidFill>
+                  <a:schemeClr val="tx1"/>
+                </a:solidFill>
+                <a:latin typeface="Arial" charset="0"/>
+                <a:ea typeface="ＭＳ Ｐゴシック" charset="0"/>
+                <a:cs typeface="ＭＳ Ｐゴシック" charset="0"/>
+              </a:defRPr>
+            </a:lvl1pPr>
+            <a:lvl2pPr marL="742950" indent="-285750" eaLnBrk="0" hangingPunct="0">
+              <a:defRPr sz="2400">
+                <a:solidFill>
+                  <a:schemeClr val="tx1"/>
+                </a:solidFill>
+                <a:latin typeface="Arial" charset="0"/>
+                <a:ea typeface="ＭＳ Ｐゴシック" charset="0"/>
+              </a:defRPr>
+            </a:lvl2pPr>
+            <a:lvl3pPr marL="1143000" indent="-228600" eaLnBrk="0" hangingPunct="0">
+              <a:defRPr sz="2400">
+                <a:solidFill>
+                  <a:schemeClr val="tx1"/>
+                </a:solidFill>
+                <a:latin typeface="Arial" charset="0"/>
+                <a:ea typeface="ＭＳ Ｐゴシック" charset="0"/>
+              </a:defRPr>
+            </a:lvl3pPr>
+            <a:lvl4pPr marL="1600200" indent="-228600" eaLnBrk="0" hangingPunct="0">
+              <a:defRPr sz="2400">
+                <a:solidFill>
+                  <a:schemeClr val="tx1"/>
+                </a:solidFill>
+                <a:latin typeface="Arial" charset="0"/>
+                <a:ea typeface="ＭＳ Ｐゴシック" charset="0"/>
+              </a:defRPr>
+            </a:lvl4pPr>
+            <a:lvl5pPr marL="2057400" indent="-228600" eaLnBrk="0" hangingPunct="0">
+              <a:defRPr sz="2400">
+                <a:solidFill>
+                  <a:schemeClr val="tx1"/>
+                </a:solidFill>
+                <a:latin typeface="Arial" charset="0"/>
+                <a:ea typeface="ＭＳ Ｐゴシック" charset="0"/>
+              </a:defRPr>
+            </a:lvl5pPr>
+            <a:lvl6pPr marL="2514600" indent="-228600" eaLnBrk="0" fontAlgn="base" hangingPunct="0">
+              <a:spcBef>
+                <a:spcPct val="0"/>
+              </a:spcBef>
+              <a:spcAft>
+                <a:spcPct val="0"/>
+              </a:spcAft>
+              <a:defRPr sz="2400">
+                <a:solidFill>
+                  <a:schemeClr val="tx1"/>
+                </a:solidFill>
+                <a:latin typeface="Arial" charset="0"/>
+                <a:ea typeface="ＭＳ Ｐゴシック" charset="0"/>
+              </a:defRPr>
+            </a:lvl6pPr>
+            <a:lvl7pPr marL="2971800" indent="-228600" eaLnBrk="0" fontAlgn="base" hangingPunct="0">
+              <a:spcBef>
+                <a:spcPct val="0"/>
+              </a:spcBef>
+              <a:spcAft>
+                <a:spcPct val="0"/>
+              </a:spcAft>
+              <a:defRPr sz="2400">
+                <a:solidFill>
+                  <a:schemeClr val="tx1"/>
+                </a:solidFill>
+                <a:latin typeface="Arial" charset="0"/>
+                <a:ea typeface="ＭＳ Ｐゴシック" charset="0"/>
+              </a:defRPr>
+            </a:lvl7pPr>
+            <a:lvl8pPr marL="3429000" indent="-228600" eaLnBrk="0" fontAlgn="base" hangingPunct="0">
+              <a:spcBef>
+                <a:spcPct val="0"/>
+              </a:spcBef>
+              <a:spcAft>
+                <a:spcPct val="0"/>
+              </a:spcAft>
+              <a:defRPr sz="2400">
+                <a:solidFill>
+                  <a:schemeClr val="tx1"/>
+                </a:solidFill>
+                <a:latin typeface="Arial" charset="0"/>
+                <a:ea typeface="ＭＳ Ｐゴシック" charset="0"/>
+              </a:defRPr>
+            </a:lvl8pPr>
+            <a:lvl9pPr marL="3886200" indent="-228600" eaLnBrk="0" fontAlgn="base" hangingPunct="0">
+              <a:spcBef>
+                <a:spcPct val="0"/>
+              </a:spcBef>
+              <a:spcAft>
+                <a:spcPct val="0"/>
+              </a:spcAft>
+              <a:defRPr sz="2400">
+                <a:solidFill>
+                  <a:schemeClr val="tx1"/>
+                </a:solidFill>
+                <a:latin typeface="Arial" charset="0"/>
+                <a:ea typeface="ＭＳ Ｐゴシック" charset="0"/>
+              </a:defRPr>
+            </a:lvl9pPr>
+          </a:lstStyle>
+          <a:p>
+            <a:pPr eaLnBrk="1" hangingPunct="1"/>
+            <a:fld id="{89A21D30-5BD6-6949-9445-4F4B3810ED66}" type="datetime1">
+              <a:rPr lang="en-US" sz="1200" smtClean="0">
+                <a:latin typeface="Garamond" charset="0"/>
+              </a:rPr>
+              <a:t>6/8/2016</a:t>
+            </a:fld>
+            <a:endParaRPr lang="en-US" sz="1200">
+              <a:latin typeface="Garamond" charset="0"/>
+            </a:endParaRPr>
+          </a:p>
+        </p:txBody>
+      </p:sp>
+      <p:sp>
+        <p:nvSpPr>
+          <p:cNvPr id="5" name="Footer Placeholder 4"/>
+          <p:cNvSpPr>
+            <a:spLocks noGrp="1"/>
+          </p:cNvSpPr>
+          <p:nvPr>
+            <p:ph type="ftr" sz="quarter" idx="11"/>
+          </p:nvPr>
+        </p:nvSpPr>
+        <p:spPr/>
+        <p:txBody>
+          <a:bodyPr/>
+          <a:lstStyle/>
+          <a:p>
+            <a:pPr>
+              <a:defRPr/>
+            </a:pPr>
+            <a:r>
+              <a:rPr lang="en-US" altLang="en-US" smtClean="0"/>
+              <a:t>ECE Application Programming: Lecture 22</a:t>
+            </a:r>
+            <a:endParaRPr lang="en-US" altLang="en-US"/>
+          </a:p>
+        </p:txBody>
+      </p:sp>
+      <p:sp>
+        <p:nvSpPr>
+          <p:cNvPr id="40965" name="Slide Number Placeholder 5"/>
+          <p:cNvSpPr>
+            <a:spLocks noGrp="1"/>
+          </p:cNvSpPr>
+          <p:nvPr>
+            <p:ph type="sldNum" sz="quarter" idx="12"/>
+          </p:nvPr>
+        </p:nvSpPr>
+        <p:spPr>
+          <a:noFill/>
+          <a:ln/>
+          <a:extLst>
+            <a:ext uri="{909E8E84-426E-40DD-AFC4-6F175D3DCCD1}">
+              <a14:hiddenFill xmlns:a14="http://schemas.microsoft.com/office/drawing/2010/main">
+                <a:solidFill>
+                  <a:srgbClr val="FFFFFF"/>
+                </a:solidFill>
+              </a14:hiddenFill>
+            </a:ext>
+            <a:ext uri="{91240B29-F687-4F45-9708-019B960494DF}">
+              <a14:hiddenLine xmlns:a14="http://schemas.microsoft.com/office/drawing/2010/main" w="9525">
+                <a:solidFill>
+                  <a:srgbClr val="000000"/>
+                </a:solidFill>
+                <a:miter lim="800000"/>
+                <a:headEnd/>
+                <a:tailEnd/>
+              </a14:hiddenLine>
+            </a:ext>
+          </a:extLst>
+        </p:spPr>
+        <p:txBody>
+          <a:bodyPr/>
+          <a:lstStyle>
+            <a:lvl1pPr eaLnBrk="0" hangingPunct="0">
+              <a:defRPr sz="2400">
+                <a:solidFill>
+                  <a:schemeClr val="tx1"/>
+                </a:solidFill>
+                <a:latin typeface="Arial" charset="0"/>
+                <a:ea typeface="ＭＳ Ｐゴシック" charset="0"/>
+                <a:cs typeface="ＭＳ Ｐゴシック" charset="0"/>
+              </a:defRPr>
+            </a:lvl1pPr>
+            <a:lvl2pPr marL="742950" indent="-285750" eaLnBrk="0" hangingPunct="0">
+              <a:defRPr sz="2400">
+                <a:solidFill>
+                  <a:schemeClr val="tx1"/>
+                </a:solidFill>
+                <a:latin typeface="Arial" charset="0"/>
+                <a:ea typeface="ＭＳ Ｐゴシック" charset="0"/>
+              </a:defRPr>
+            </a:lvl2pPr>
+            <a:lvl3pPr marL="1143000" indent="-228600" eaLnBrk="0" hangingPunct="0">
+              <a:defRPr sz="2400">
+                <a:solidFill>
+                  <a:schemeClr val="tx1"/>
+                </a:solidFill>
+                <a:latin typeface="Arial" charset="0"/>
+                <a:ea typeface="ＭＳ Ｐゴシック" charset="0"/>
+              </a:defRPr>
+            </a:lvl3pPr>
+            <a:lvl4pPr marL="1600200" indent="-228600" eaLnBrk="0" hangingPunct="0">
+              <a:defRPr sz="2400">
+                <a:solidFill>
+                  <a:schemeClr val="tx1"/>
+                </a:solidFill>
+                <a:latin typeface="Arial" charset="0"/>
+                <a:ea typeface="ＭＳ Ｐゴシック" charset="0"/>
+              </a:defRPr>
+            </a:lvl4pPr>
+            <a:lvl5pPr marL="2057400" indent="-228600" eaLnBrk="0" hangingPunct="0">
+              <a:defRPr sz="2400">
+                <a:solidFill>
+                  <a:schemeClr val="tx1"/>
+                </a:solidFill>
+                <a:latin typeface="Arial" charset="0"/>
+                <a:ea typeface="ＭＳ Ｐゴシック" charset="0"/>
+              </a:defRPr>
+            </a:lvl5pPr>
+            <a:lvl6pPr marL="2514600" indent="-228600" eaLnBrk="0" fontAlgn="base" hangingPunct="0">
+              <a:spcBef>
+                <a:spcPct val="0"/>
+              </a:spcBef>
+              <a:spcAft>
+                <a:spcPct val="0"/>
+              </a:spcAft>
+              <a:defRPr sz="2400">
+                <a:solidFill>
+                  <a:schemeClr val="tx1"/>
+                </a:solidFill>
+                <a:latin typeface="Arial" charset="0"/>
+                <a:ea typeface="ＭＳ Ｐゴシック" charset="0"/>
+              </a:defRPr>
+            </a:lvl6pPr>
+            <a:lvl7pPr marL="2971800" indent="-228600" eaLnBrk="0" fontAlgn="base" hangingPunct="0">
+              <a:spcBef>
+                <a:spcPct val="0"/>
+              </a:spcBef>
+              <a:spcAft>
+                <a:spcPct val="0"/>
+              </a:spcAft>
+              <a:defRPr sz="2400">
+                <a:solidFill>
+                  <a:schemeClr val="tx1"/>
+                </a:solidFill>
+                <a:latin typeface="Arial" charset="0"/>
+                <a:ea typeface="ＭＳ Ｐゴシック" charset="0"/>
+              </a:defRPr>
+            </a:lvl7pPr>
+            <a:lvl8pPr marL="3429000" indent="-228600" eaLnBrk="0" fontAlgn="base" hangingPunct="0">
+              <a:spcBef>
+                <a:spcPct val="0"/>
+              </a:spcBef>
+              <a:spcAft>
+                <a:spcPct val="0"/>
+              </a:spcAft>
+              <a:defRPr sz="2400">
+                <a:solidFill>
+                  <a:schemeClr val="tx1"/>
+                </a:solidFill>
+                <a:latin typeface="Arial" charset="0"/>
+                <a:ea typeface="ＭＳ Ｐゴシック" charset="0"/>
+              </a:defRPr>
+            </a:lvl8pPr>
+            <a:lvl9pPr marL="3886200" indent="-228600" eaLnBrk="0" fontAlgn="base" hangingPunct="0">
+              <a:spcBef>
+                <a:spcPct val="0"/>
+              </a:spcBef>
+              <a:spcAft>
+                <a:spcPct val="0"/>
+              </a:spcAft>
+              <a:defRPr sz="2400">
+                <a:solidFill>
+                  <a:schemeClr val="tx1"/>
+                </a:solidFill>
+                <a:latin typeface="Arial" charset="0"/>
+                <a:ea typeface="ＭＳ Ｐゴシック" charset="0"/>
+              </a:defRPr>
+            </a:lvl9pPr>
+          </a:lstStyle>
+          <a:p>
+            <a:pPr eaLnBrk="1" hangingPunct="1"/>
+            <a:fld id="{995840FA-E6F5-0343-A066-8FDDE6435D57}" type="slidenum">
+              <a:rPr lang="en-US" sz="1200">
+                <a:latin typeface="Garamond" charset="0"/>
+              </a:rPr>
+              <a:pPr eaLnBrk="1" hangingPunct="1"/>
+              <a:t>20</a:t>
+            </a:fld>
+            <a:endParaRPr lang="en-US" sz="1200">
+              <a:latin typeface="Garamond" charset="0"/>
+            </a:endParaRPr>
+          </a:p>
+        </p:txBody>
+      </p:sp>
+    </p:spTree>
+  </p:cSld>
+  <p:clrMapOvr>
+    <a:masterClrMapping/>
+  </p:clrMapOvr>
+  <p:timing>
+    <p:tnLst>
+      <p:par>
+        <p:cTn id="1" dur="indefinite" restart="never" nodeType="tmRoot"/>
       </p:par>
     </p:tnLst>
   </p:timing>
@@ -13410,6 +13941,561 @@
 </file>
 
 <file path=ppt/slides/slide3.xml><?xml version="1.0" encoding="utf-8"?>
+<p:sld xmlns:a="http://schemas.openxmlformats.org/drawingml/2006/main" xmlns:r="http://schemas.openxmlformats.org/officeDocument/2006/relationships" xmlns:p="http://schemas.openxmlformats.org/presentationml/2006/main">
+  <p:cSld>
+    <p:spTree>
+      <p:nvGrpSpPr>
+        <p:cNvPr id="1" name=""/>
+        <p:cNvGrpSpPr/>
+        <p:nvPr/>
+      </p:nvGrpSpPr>
+      <p:grpSpPr>
+        <a:xfrm>
+          <a:off x="0" y="0"/>
+          <a:ext cx="0" cy="0"/>
+          <a:chOff x="0" y="0"/>
+          <a:chExt cx="0" cy="0"/>
+        </a:xfrm>
+      </p:grpSpPr>
+      <p:sp>
+        <p:nvSpPr>
+          <p:cNvPr id="41985" name="Title 1"/>
+          <p:cNvSpPr>
+            <a:spLocks noGrp="1"/>
+          </p:cNvSpPr>
+          <p:nvPr>
+            <p:ph type="title"/>
+          </p:nvPr>
+        </p:nvSpPr>
+        <p:spPr/>
+        <p:txBody>
+          <a:bodyPr/>
+          <a:lstStyle/>
+          <a:p>
+            <a:r>
+              <a:rPr lang="en-US" altLang="en-US" smtClean="0">
+                <a:ea typeface="ＭＳ Ｐゴシック" pitchFamily="34" charset="-128"/>
+              </a:rPr>
+              <a:t>Review: arrays &amp; pointers</a:t>
+            </a:r>
+          </a:p>
+        </p:txBody>
+      </p:sp>
+      <p:sp>
+        <p:nvSpPr>
+          <p:cNvPr id="41986" name="Content Placeholder 2"/>
+          <p:cNvSpPr>
+            <a:spLocks noGrp="1"/>
+          </p:cNvSpPr>
+          <p:nvPr>
+            <p:ph idx="1"/>
+          </p:nvPr>
+        </p:nvSpPr>
+        <p:spPr/>
+        <p:txBody>
+          <a:bodyPr/>
+          <a:lstStyle/>
+          <a:p>
+            <a:r>
+              <a:rPr lang="en-US" altLang="en-US" smtClean="0">
+                <a:ea typeface="ＭＳ Ｐゴシック" pitchFamily="34" charset="-128"/>
+              </a:rPr>
+              <a:t>Arrays: groups of data with same type</a:t>
+            </a:r>
+          </a:p>
+          <a:p>
+            <a:pPr lvl="1"/>
+            <a:r>
+              <a:rPr lang="en-US" altLang="en-US" smtClean="0">
+                <a:latin typeface="Courier New" pitchFamily="49" charset="0"/>
+                <a:ea typeface="ＭＳ Ｐゴシック" pitchFamily="34" charset="-128"/>
+                <a:cs typeface="Courier New" pitchFamily="49" charset="0"/>
+              </a:rPr>
+              <a:t>x[10]</a:t>
+            </a:r>
+            <a:r>
+              <a:rPr lang="en-US" altLang="en-US" smtClean="0">
+                <a:ea typeface="ＭＳ Ｐゴシック" pitchFamily="34" charset="-128"/>
+              </a:rPr>
+              <a:t> has 10 elements, </a:t>
+            </a:r>
+            <a:r>
+              <a:rPr lang="en-US" altLang="en-US" smtClean="0">
+                <a:latin typeface="Courier New" pitchFamily="49" charset="0"/>
+                <a:ea typeface="ＭＳ Ｐゴシック" pitchFamily="34" charset="-128"/>
+                <a:cs typeface="Courier New" pitchFamily="49" charset="0"/>
+              </a:rPr>
+              <a:t>x[0]</a:t>
+            </a:r>
+            <a:r>
+              <a:rPr lang="en-US" altLang="en-US" smtClean="0">
+                <a:ea typeface="ＭＳ Ｐゴシック" pitchFamily="34" charset="-128"/>
+              </a:rPr>
+              <a:t> through </a:t>
+            </a:r>
+            <a:r>
+              <a:rPr lang="en-US" altLang="en-US" smtClean="0">
+                <a:latin typeface="Courier New" pitchFamily="49" charset="0"/>
+                <a:ea typeface="ＭＳ Ｐゴシック" pitchFamily="34" charset="-128"/>
+                <a:cs typeface="Courier New" pitchFamily="49" charset="0"/>
+              </a:rPr>
+              <a:t>x[9]</a:t>
+            </a:r>
+          </a:p>
+          <a:p>
+            <a:pPr lvl="1"/>
+            <a:r>
+              <a:rPr lang="en-US" altLang="en-US" smtClean="0">
+                <a:ea typeface="ＭＳ Ｐゴシック" pitchFamily="34" charset="-128"/>
+                <a:cs typeface="Courier New" pitchFamily="49" charset="0"/>
+              </a:rPr>
+              <a:t>Can also define with initial values</a:t>
+            </a:r>
+          </a:p>
+          <a:p>
+            <a:pPr lvl="2"/>
+            <a:r>
+              <a:rPr lang="en-US" altLang="en-US" smtClean="0">
+                <a:ea typeface="ＭＳ Ｐゴシック" pitchFamily="34" charset="-128"/>
+                <a:cs typeface="Courier New" pitchFamily="49" charset="0"/>
+              </a:rPr>
+              <a:t>e.g. </a:t>
+            </a:r>
+            <a:r>
+              <a:rPr lang="en-US" altLang="en-US" smtClean="0">
+                <a:latin typeface="Courier New" pitchFamily="49" charset="0"/>
+                <a:ea typeface="ＭＳ Ｐゴシック" pitchFamily="34" charset="-128"/>
+                <a:cs typeface="Courier New" pitchFamily="49" charset="0"/>
+              </a:rPr>
+              <a:t>double list[] = {1.2, 0.75, -3.233};</a:t>
+            </a:r>
+          </a:p>
+          <a:p>
+            <a:pPr lvl="1"/>
+            <a:r>
+              <a:rPr lang="en-US" altLang="en-US" smtClean="0">
+                <a:ea typeface="ＭＳ Ｐゴシック" pitchFamily="34" charset="-128"/>
+                <a:cs typeface="Courier New" pitchFamily="49" charset="0"/>
+              </a:rPr>
+              <a:t>Must be sure to access inside bounds</a:t>
+            </a:r>
+          </a:p>
+          <a:p>
+            <a:r>
+              <a:rPr lang="en-US" altLang="en-US" smtClean="0">
+                <a:ea typeface="ＭＳ Ｐゴシック" pitchFamily="34" charset="-128"/>
+                <a:cs typeface="Courier New" pitchFamily="49" charset="0"/>
+              </a:rPr>
+              <a:t>Array name </a:t>
+            </a:r>
+            <a:r>
+              <a:rPr lang="en-US" altLang="en-US" u="sng" smtClean="0">
+                <a:ea typeface="ＭＳ Ｐゴシック" pitchFamily="34" charset="-128"/>
+                <a:cs typeface="Courier New" pitchFamily="49" charset="0"/>
+              </a:rPr>
+              <a:t>is</a:t>
+            </a:r>
+            <a:r>
+              <a:rPr lang="en-US" altLang="en-US" smtClean="0">
+                <a:ea typeface="ＭＳ Ｐゴシック" pitchFamily="34" charset="-128"/>
+                <a:cs typeface="Courier New" pitchFamily="49" charset="0"/>
+              </a:rPr>
+              <a:t> a pointer</a:t>
+            </a:r>
+          </a:p>
+          <a:p>
+            <a:pPr lvl="1"/>
+            <a:r>
+              <a:rPr lang="en-US" altLang="en-US" smtClean="0">
+                <a:ea typeface="ＭＳ Ｐゴシック" pitchFamily="34" charset="-128"/>
+                <a:cs typeface="Courier New" pitchFamily="49" charset="0"/>
+              </a:rPr>
+              <a:t>Arrays are always passed by address to functions</a:t>
+            </a:r>
+          </a:p>
+          <a:p>
+            <a:pPr lvl="1"/>
+            <a:r>
+              <a:rPr lang="en-US" altLang="en-US" smtClean="0">
+                <a:ea typeface="ＭＳ Ｐゴシック" pitchFamily="34" charset="-128"/>
+                <a:cs typeface="Courier New" pitchFamily="49" charset="0"/>
+              </a:rPr>
+              <a:t>Should pass size of array as additional argument</a:t>
+            </a:r>
+          </a:p>
+          <a:p>
+            <a:pPr lvl="2"/>
+            <a:r>
+              <a:rPr lang="en-US" altLang="en-US" smtClean="0">
+                <a:ea typeface="ＭＳ Ｐゴシック" pitchFamily="34" charset="-128"/>
+                <a:cs typeface="Courier New" pitchFamily="49" charset="0"/>
+              </a:rPr>
+              <a:t>e.g. void f(int arr[], int n);</a:t>
+            </a:r>
+          </a:p>
+        </p:txBody>
+      </p:sp>
+      <p:sp>
+        <p:nvSpPr>
+          <p:cNvPr id="41987" name="Date Placeholder 3"/>
+          <p:cNvSpPr>
+            <a:spLocks noGrp="1"/>
+          </p:cNvSpPr>
+          <p:nvPr>
+            <p:ph type="dt" sz="quarter" idx="10"/>
+          </p:nvPr>
+        </p:nvSpPr>
+        <p:spPr>
+          <a:noFill/>
+          <a:ln/>
+          <a:extLst>
+            <a:ext uri="{909E8E84-426E-40DD-AFC4-6F175D3DCCD1}">
+              <a14:hiddenFill xmlns:a14="http://schemas.microsoft.com/office/drawing/2010/main">
+                <a:solidFill>
+                  <a:srgbClr val="FFFFFF"/>
+                </a:solidFill>
+              </a14:hiddenFill>
+            </a:ext>
+            <a:ext uri="{91240B29-F687-4F45-9708-019B960494DF}">
+              <a14:hiddenLine xmlns:a14="http://schemas.microsoft.com/office/drawing/2010/main" w="9525">
+                <a:solidFill>
+                  <a:srgbClr val="000000"/>
+                </a:solidFill>
+                <a:miter lim="800000"/>
+                <a:headEnd/>
+                <a:tailEnd/>
+              </a14:hiddenLine>
+            </a:ext>
+          </a:extLst>
+        </p:spPr>
+        <p:txBody>
+          <a:bodyPr/>
+          <a:lstStyle>
+            <a:lvl1pPr eaLnBrk="0" hangingPunct="0">
+              <a:defRPr sz="2400">
+                <a:solidFill>
+                  <a:schemeClr val="tx1"/>
+                </a:solidFill>
+                <a:latin typeface="Arial" pitchFamily="34" charset="0"/>
+                <a:ea typeface="ＭＳ Ｐゴシック" pitchFamily="34" charset="-128"/>
+              </a:defRPr>
+            </a:lvl1pPr>
+            <a:lvl2pPr marL="742950" indent="-285750" eaLnBrk="0" hangingPunct="0">
+              <a:defRPr sz="2400">
+                <a:solidFill>
+                  <a:schemeClr val="tx1"/>
+                </a:solidFill>
+                <a:latin typeface="Arial" pitchFamily="34" charset="0"/>
+                <a:ea typeface="ＭＳ Ｐゴシック" pitchFamily="34" charset="-128"/>
+              </a:defRPr>
+            </a:lvl2pPr>
+            <a:lvl3pPr marL="1143000" indent="-228600" eaLnBrk="0" hangingPunct="0">
+              <a:defRPr sz="2400">
+                <a:solidFill>
+                  <a:schemeClr val="tx1"/>
+                </a:solidFill>
+                <a:latin typeface="Arial" pitchFamily="34" charset="0"/>
+                <a:ea typeface="ＭＳ Ｐゴシック" pitchFamily="34" charset="-128"/>
+              </a:defRPr>
+            </a:lvl3pPr>
+            <a:lvl4pPr marL="1600200" indent="-228600" eaLnBrk="0" hangingPunct="0">
+              <a:defRPr sz="2400">
+                <a:solidFill>
+                  <a:schemeClr val="tx1"/>
+                </a:solidFill>
+                <a:latin typeface="Arial" pitchFamily="34" charset="0"/>
+                <a:ea typeface="ＭＳ Ｐゴシック" pitchFamily="34" charset="-128"/>
+              </a:defRPr>
+            </a:lvl4pPr>
+            <a:lvl5pPr marL="2057400" indent="-228600" eaLnBrk="0" hangingPunct="0">
+              <a:defRPr sz="2400">
+                <a:solidFill>
+                  <a:schemeClr val="tx1"/>
+                </a:solidFill>
+                <a:latin typeface="Arial" pitchFamily="34" charset="0"/>
+                <a:ea typeface="ＭＳ Ｐゴシック" pitchFamily="34" charset="-128"/>
+              </a:defRPr>
+            </a:lvl5pPr>
+            <a:lvl6pPr marL="2514600" indent="-228600" eaLnBrk="0" fontAlgn="base" hangingPunct="0">
+              <a:spcBef>
+                <a:spcPct val="0"/>
+              </a:spcBef>
+              <a:spcAft>
+                <a:spcPct val="0"/>
+              </a:spcAft>
+              <a:defRPr sz="2400">
+                <a:solidFill>
+                  <a:schemeClr val="tx1"/>
+                </a:solidFill>
+                <a:latin typeface="Arial" pitchFamily="34" charset="0"/>
+                <a:ea typeface="ＭＳ Ｐゴシック" pitchFamily="34" charset="-128"/>
+              </a:defRPr>
+            </a:lvl6pPr>
+            <a:lvl7pPr marL="2971800" indent="-228600" eaLnBrk="0" fontAlgn="base" hangingPunct="0">
+              <a:spcBef>
+                <a:spcPct val="0"/>
+              </a:spcBef>
+              <a:spcAft>
+                <a:spcPct val="0"/>
+              </a:spcAft>
+              <a:defRPr sz="2400">
+                <a:solidFill>
+                  <a:schemeClr val="tx1"/>
+                </a:solidFill>
+                <a:latin typeface="Arial" pitchFamily="34" charset="0"/>
+                <a:ea typeface="ＭＳ Ｐゴシック" pitchFamily="34" charset="-128"/>
+              </a:defRPr>
+            </a:lvl7pPr>
+            <a:lvl8pPr marL="3429000" indent="-228600" eaLnBrk="0" fontAlgn="base" hangingPunct="0">
+              <a:spcBef>
+                <a:spcPct val="0"/>
+              </a:spcBef>
+              <a:spcAft>
+                <a:spcPct val="0"/>
+              </a:spcAft>
+              <a:defRPr sz="2400">
+                <a:solidFill>
+                  <a:schemeClr val="tx1"/>
+                </a:solidFill>
+                <a:latin typeface="Arial" pitchFamily="34" charset="0"/>
+                <a:ea typeface="ＭＳ Ｐゴシック" pitchFamily="34" charset="-128"/>
+              </a:defRPr>
+            </a:lvl8pPr>
+            <a:lvl9pPr marL="3886200" indent="-228600" eaLnBrk="0" fontAlgn="base" hangingPunct="0">
+              <a:spcBef>
+                <a:spcPct val="0"/>
+              </a:spcBef>
+              <a:spcAft>
+                <a:spcPct val="0"/>
+              </a:spcAft>
+              <a:defRPr sz="2400">
+                <a:solidFill>
+                  <a:schemeClr val="tx1"/>
+                </a:solidFill>
+                <a:latin typeface="Arial" pitchFamily="34" charset="0"/>
+                <a:ea typeface="ＭＳ Ｐゴシック" pitchFamily="34" charset="-128"/>
+              </a:defRPr>
+            </a:lvl9pPr>
+          </a:lstStyle>
+          <a:p>
+            <a:pPr eaLnBrk="1" hangingPunct="1"/>
+            <a:fld id="{E5E453EE-0B8C-4A76-98B9-779743427088}" type="datetime1">
+              <a:rPr lang="en-US" altLang="en-US" sz="1200">
+                <a:latin typeface="Garamond" pitchFamily="18" charset="0"/>
+              </a:rPr>
+              <a:pPr eaLnBrk="1" hangingPunct="1"/>
+              <a:t>6/8/2016</a:t>
+            </a:fld>
+            <a:endParaRPr lang="en-US" altLang="en-US" sz="1200">
+              <a:latin typeface="Garamond" pitchFamily="18" charset="0"/>
+            </a:endParaRPr>
+          </a:p>
+        </p:txBody>
+      </p:sp>
+      <p:sp>
+        <p:nvSpPr>
+          <p:cNvPr id="5" name="Footer Placeholder 4"/>
+          <p:cNvSpPr>
+            <a:spLocks noGrp="1"/>
+          </p:cNvSpPr>
+          <p:nvPr>
+            <p:ph type="ftr" sz="quarter" idx="11"/>
+          </p:nvPr>
+        </p:nvSpPr>
+        <p:spPr/>
+        <p:txBody>
+          <a:bodyPr/>
+          <a:lstStyle/>
+          <a:p>
+            <a:pPr>
+              <a:defRPr/>
+            </a:pPr>
+            <a:r>
+              <a:rPr lang="en-US" altLang="en-US"/>
+              <a:t>ECE Application Programming:  Lecture 10</a:t>
+            </a:r>
+            <a:endParaRPr lang="en-US" altLang="en-US"/>
+          </a:p>
+        </p:txBody>
+      </p:sp>
+      <p:sp>
+        <p:nvSpPr>
+          <p:cNvPr id="41989" name="Slide Number Placeholder 5"/>
+          <p:cNvSpPr>
+            <a:spLocks noGrp="1"/>
+          </p:cNvSpPr>
+          <p:nvPr>
+            <p:ph type="sldNum" sz="quarter" idx="12"/>
+          </p:nvPr>
+        </p:nvSpPr>
+        <p:spPr>
+          <a:noFill/>
+          <a:ln/>
+          <a:extLst>
+            <a:ext uri="{909E8E84-426E-40DD-AFC4-6F175D3DCCD1}">
+              <a14:hiddenFill xmlns:a14="http://schemas.microsoft.com/office/drawing/2010/main">
+                <a:solidFill>
+                  <a:srgbClr val="FFFFFF"/>
+                </a:solidFill>
+              </a14:hiddenFill>
+            </a:ext>
+            <a:ext uri="{91240B29-F687-4F45-9708-019B960494DF}">
+              <a14:hiddenLine xmlns:a14="http://schemas.microsoft.com/office/drawing/2010/main" w="9525">
+                <a:solidFill>
+                  <a:srgbClr val="000000"/>
+                </a:solidFill>
+                <a:miter lim="800000"/>
+                <a:headEnd/>
+                <a:tailEnd/>
+              </a14:hiddenLine>
+            </a:ext>
+          </a:extLst>
+        </p:spPr>
+        <p:txBody>
+          <a:bodyPr/>
+          <a:lstStyle>
+            <a:lvl1pPr eaLnBrk="0" hangingPunct="0">
+              <a:defRPr sz="2400">
+                <a:solidFill>
+                  <a:schemeClr val="tx1"/>
+                </a:solidFill>
+                <a:latin typeface="Arial" pitchFamily="34" charset="0"/>
+                <a:ea typeface="ＭＳ Ｐゴシック" pitchFamily="34" charset="-128"/>
+              </a:defRPr>
+            </a:lvl1pPr>
+            <a:lvl2pPr marL="742950" indent="-285750" eaLnBrk="0" hangingPunct="0">
+              <a:defRPr sz="2400">
+                <a:solidFill>
+                  <a:schemeClr val="tx1"/>
+                </a:solidFill>
+                <a:latin typeface="Arial" pitchFamily="34" charset="0"/>
+                <a:ea typeface="ＭＳ Ｐゴシック" pitchFamily="34" charset="-128"/>
+              </a:defRPr>
+            </a:lvl2pPr>
+            <a:lvl3pPr marL="1143000" indent="-228600" eaLnBrk="0" hangingPunct="0">
+              <a:defRPr sz="2400">
+                <a:solidFill>
+                  <a:schemeClr val="tx1"/>
+                </a:solidFill>
+                <a:latin typeface="Arial" pitchFamily="34" charset="0"/>
+                <a:ea typeface="ＭＳ Ｐゴシック" pitchFamily="34" charset="-128"/>
+              </a:defRPr>
+            </a:lvl3pPr>
+            <a:lvl4pPr marL="1600200" indent="-228600" eaLnBrk="0" hangingPunct="0">
+              <a:defRPr sz="2400">
+                <a:solidFill>
+                  <a:schemeClr val="tx1"/>
+                </a:solidFill>
+                <a:latin typeface="Arial" pitchFamily="34" charset="0"/>
+                <a:ea typeface="ＭＳ Ｐゴシック" pitchFamily="34" charset="-128"/>
+              </a:defRPr>
+            </a:lvl4pPr>
+            <a:lvl5pPr marL="2057400" indent="-228600" eaLnBrk="0" hangingPunct="0">
+              <a:defRPr sz="2400">
+                <a:solidFill>
+                  <a:schemeClr val="tx1"/>
+                </a:solidFill>
+                <a:latin typeface="Arial" pitchFamily="34" charset="0"/>
+                <a:ea typeface="ＭＳ Ｐゴシック" pitchFamily="34" charset="-128"/>
+              </a:defRPr>
+            </a:lvl5pPr>
+            <a:lvl6pPr marL="2514600" indent="-228600" eaLnBrk="0" fontAlgn="base" hangingPunct="0">
+              <a:spcBef>
+                <a:spcPct val="0"/>
+              </a:spcBef>
+              <a:spcAft>
+                <a:spcPct val="0"/>
+              </a:spcAft>
+              <a:defRPr sz="2400">
+                <a:solidFill>
+                  <a:schemeClr val="tx1"/>
+                </a:solidFill>
+                <a:latin typeface="Arial" pitchFamily="34" charset="0"/>
+                <a:ea typeface="ＭＳ Ｐゴシック" pitchFamily="34" charset="-128"/>
+              </a:defRPr>
+            </a:lvl6pPr>
+            <a:lvl7pPr marL="2971800" indent="-228600" eaLnBrk="0" fontAlgn="base" hangingPunct="0">
+              <a:spcBef>
+                <a:spcPct val="0"/>
+              </a:spcBef>
+              <a:spcAft>
+                <a:spcPct val="0"/>
+              </a:spcAft>
+              <a:defRPr sz="2400">
+                <a:solidFill>
+                  <a:schemeClr val="tx1"/>
+                </a:solidFill>
+                <a:latin typeface="Arial" pitchFamily="34" charset="0"/>
+                <a:ea typeface="ＭＳ Ｐゴシック" pitchFamily="34" charset="-128"/>
+              </a:defRPr>
+            </a:lvl7pPr>
+            <a:lvl8pPr marL="3429000" indent="-228600" eaLnBrk="0" fontAlgn="base" hangingPunct="0">
+              <a:spcBef>
+                <a:spcPct val="0"/>
+              </a:spcBef>
+              <a:spcAft>
+                <a:spcPct val="0"/>
+              </a:spcAft>
+              <a:defRPr sz="2400">
+                <a:solidFill>
+                  <a:schemeClr val="tx1"/>
+                </a:solidFill>
+                <a:latin typeface="Arial" pitchFamily="34" charset="0"/>
+                <a:ea typeface="ＭＳ Ｐゴシック" pitchFamily="34" charset="-128"/>
+              </a:defRPr>
+            </a:lvl8pPr>
+            <a:lvl9pPr marL="3886200" indent="-228600" eaLnBrk="0" fontAlgn="base" hangingPunct="0">
+              <a:spcBef>
+                <a:spcPct val="0"/>
+              </a:spcBef>
+              <a:spcAft>
+                <a:spcPct val="0"/>
+              </a:spcAft>
+              <a:defRPr sz="2400">
+                <a:solidFill>
+                  <a:schemeClr val="tx1"/>
+                </a:solidFill>
+                <a:latin typeface="Arial" pitchFamily="34" charset="0"/>
+                <a:ea typeface="ＭＳ Ｐゴシック" pitchFamily="34" charset="-128"/>
+              </a:defRPr>
+            </a:lvl9pPr>
+          </a:lstStyle>
+          <a:p>
+            <a:pPr eaLnBrk="1" hangingPunct="1"/>
+            <a:fld id="{6496E9E0-5365-4F04-BBD6-80F0ADCE48D1}" type="slidenum">
+              <a:rPr lang="en-US" altLang="en-US" sz="1200">
+                <a:latin typeface="Garamond" pitchFamily="18" charset="0"/>
+              </a:rPr>
+              <a:pPr eaLnBrk="1" hangingPunct="1"/>
+              <a:t>3</a:t>
+            </a:fld>
+            <a:endParaRPr lang="en-US" altLang="en-US" sz="1200">
+              <a:latin typeface="Garamond" pitchFamily="18" charset="0"/>
+            </a:endParaRPr>
+          </a:p>
+        </p:txBody>
+      </p:sp>
+    </p:spTree>
+    <p:extLst>
+      <p:ext uri="{BB962C8B-B14F-4D97-AF65-F5344CB8AC3E}">
+        <p14:creationId xmlns:p14="http://schemas.microsoft.com/office/powerpoint/2010/main" val="2219052067"/>
+      </p:ext>
+    </p:extLst>
+  </p:cSld>
+  <p:clrMapOvr>
+    <a:masterClrMapping/>
+  </p:clrMapOvr>
+  <p:timing>
+    <p:tnLst>
+      <p:par>
+        <p:cTn id="1" dur="indefinite" restart="never" nodeType="tmRoot"/>
+      </p:par>
+    </p:tnLst>
+  </p:timing>
+</p:sld>
+</file>
+
+<file path=ppt/slides/slide4.xml><?xml version="1.0" encoding="utf-8"?>
 <p:sld xmlns:a="http://schemas.openxmlformats.org/drawingml/2006/main" xmlns:r="http://schemas.openxmlformats.org/officeDocument/2006/relationships" xmlns:p="http://schemas.openxmlformats.org/presentationml/2006/main">
   <p:cSld>
     <p:spTree>
@@ -13715,14 +14801,14 @@
           <a:noFill/>
           <a:ln/>
           <a:extLst>
-            <a:ext uri="{909E8E84-426E-40dd-AFC4-6F175D3DCCD1}">
+            <a:ext uri="{909E8E84-426E-40DD-AFC4-6F175D3DCCD1}">
               <a14:hiddenFill xmlns:a14="http://schemas.microsoft.com/office/drawing/2010/main">
                 <a:solidFill>
                   <a:srgbClr val="FFFFFF"/>
                 </a:solidFill>
               </a14:hiddenFill>
             </a:ext>
-            <a:ext uri="{91240B29-F687-4f45-9708-019B960494DF}">
+            <a:ext uri="{91240B29-F687-4F45-9708-019B960494DF}">
               <a14:hiddenLine xmlns:a14="http://schemas.microsoft.com/office/drawing/2010/main" w="9525">
                 <a:solidFill>
                   <a:srgbClr val="000000"/>
@@ -13850,7 +14936,7 @@
               <a:rPr lang="en-US" sz="1200" smtClean="0">
                 <a:latin typeface="Garamond" charset="0"/>
               </a:rPr>
-              <a:t>6/6/16</a:t>
+              <a:t>6/8/2016</a:t>
             </a:fld>
             <a:endParaRPr lang="en-US" sz="1200">
               <a:latin typeface="Garamond" charset="0"/>
@@ -13898,14 +14984,14 @@
           <a:noFill/>
           <a:ln/>
           <a:extLst>
-            <a:ext uri="{909E8E84-426E-40dd-AFC4-6F175D3DCCD1}">
+            <a:ext uri="{909E8E84-426E-40DD-AFC4-6F175D3DCCD1}">
               <a14:hiddenFill xmlns:a14="http://schemas.microsoft.com/office/drawing/2010/main">
                 <a:solidFill>
                   <a:srgbClr val="FFFFFF"/>
                 </a:solidFill>
               </a14:hiddenFill>
             </a:ext>
-            <a:ext uri="{91240B29-F687-4f45-9708-019B960494DF}">
+            <a:ext uri="{91240B29-F687-4F45-9708-019B960494DF}">
               <a14:hiddenLine xmlns:a14="http://schemas.microsoft.com/office/drawing/2010/main" w="9525">
                 <a:solidFill>
                   <a:srgbClr val="000000"/>
@@ -14034,7 +15120,7 @@
                 <a:latin typeface="Garamond" charset="0"/>
               </a:rPr>
               <a:pPr eaLnBrk="1" hangingPunct="1"/>
-              <a:t>3</a:t>
+              <a:t>4</a:t>
             </a:fld>
             <a:endParaRPr lang="en-US" sz="1200">
               <a:latin typeface="Garamond" charset="0"/>
@@ -15406,14 +16492,14 @@
   <p:timing>
     <p:tnLst>
       <p:par>
-        <p:cTn xmlns:p14="http://schemas.microsoft.com/office/powerpoint/2010/main" id="1" dur="indefinite" restart="never" nodeType="tmRoot"/>
+        <p:cTn id="1" dur="indefinite" restart="never" nodeType="tmRoot"/>
       </p:par>
     </p:tnLst>
   </p:timing>
 </p:sld>
 </file>
 
-<file path=ppt/slides/slide4.xml><?xml version="1.0" encoding="utf-8"?>
+<file path=ppt/slides/slide5.xml><?xml version="1.0" encoding="utf-8"?>
 <p:sld xmlns:a="http://schemas.openxmlformats.org/drawingml/2006/main" xmlns:r="http://schemas.openxmlformats.org/officeDocument/2006/relationships" xmlns:p="http://schemas.openxmlformats.org/presentationml/2006/main">
   <p:cSld>
     <p:spTree>
@@ -15693,14 +16779,14 @@
           <a:noFill/>
           <a:ln/>
           <a:extLst>
-            <a:ext uri="{909E8E84-426E-40dd-AFC4-6F175D3DCCD1}">
+            <a:ext uri="{909E8E84-426E-40DD-AFC4-6F175D3DCCD1}">
               <a14:hiddenFill xmlns:a14="http://schemas.microsoft.com/office/drawing/2010/main">
                 <a:solidFill>
                   <a:srgbClr val="FFFFFF"/>
                 </a:solidFill>
               </a14:hiddenFill>
             </a:ext>
-            <a:ext uri="{91240B29-F687-4f45-9708-019B960494DF}">
+            <a:ext uri="{91240B29-F687-4F45-9708-019B960494DF}">
               <a14:hiddenLine xmlns:a14="http://schemas.microsoft.com/office/drawing/2010/main" w="9525">
                 <a:solidFill>
                   <a:srgbClr val="000000"/>
@@ -15828,7 +16914,7 @@
               <a:rPr lang="en-US" sz="1200" smtClean="0">
                 <a:latin typeface="Garamond" charset="0"/>
               </a:rPr>
-              <a:t>6/6/16</a:t>
+              <a:t>6/8/2016</a:t>
             </a:fld>
             <a:endParaRPr lang="en-US" sz="1200">
               <a:latin typeface="Garamond" charset="0"/>
@@ -15876,14 +16962,14 @@
           <a:noFill/>
           <a:ln/>
           <a:extLst>
-            <a:ext uri="{909E8E84-426E-40dd-AFC4-6F175D3DCCD1}">
+            <a:ext uri="{909E8E84-426E-40DD-AFC4-6F175D3DCCD1}">
               <a14:hiddenFill xmlns:a14="http://schemas.microsoft.com/office/drawing/2010/main">
                 <a:solidFill>
                   <a:srgbClr val="FFFFFF"/>
                 </a:solidFill>
               </a14:hiddenFill>
             </a:ext>
-            <a:ext uri="{91240B29-F687-4f45-9708-019B960494DF}">
+            <a:ext uri="{91240B29-F687-4F45-9708-019B960494DF}">
               <a14:hiddenLine xmlns:a14="http://schemas.microsoft.com/office/drawing/2010/main" w="9525">
                 <a:solidFill>
                   <a:srgbClr val="000000"/>
@@ -16012,7 +17098,7 @@
                 <a:latin typeface="Garamond" charset="0"/>
               </a:rPr>
               <a:pPr eaLnBrk="1" hangingPunct="1"/>
-              <a:t>4</a:t>
+              <a:t>5</a:t>
             </a:fld>
             <a:endParaRPr lang="en-US" sz="1200">
               <a:latin typeface="Garamond" charset="0"/>
@@ -16033,14 +17119,14 @@
   <p:timing>
     <p:tnLst>
       <p:par>
-        <p:cTn xmlns:p14="http://schemas.microsoft.com/office/powerpoint/2010/main" id="1" dur="indefinite" restart="never" nodeType="tmRoot"/>
+        <p:cTn id="1" dur="indefinite" restart="never" nodeType="tmRoot"/>
       </p:par>
     </p:tnLst>
   </p:timing>
 </p:sld>
 </file>
 
-<file path=ppt/slides/slide5.xml><?xml version="1.0" encoding="utf-8"?>
+<file path=ppt/slides/slide6.xml><?xml version="1.0" encoding="utf-8"?>
 <p:sld xmlns:a="http://schemas.openxmlformats.org/drawingml/2006/main" xmlns:r="http://schemas.openxmlformats.org/officeDocument/2006/relationships" xmlns:p="http://schemas.openxmlformats.org/presentationml/2006/main">
   <p:cSld>
     <p:spTree>
@@ -16241,14 +17327,14 @@
           <a:noFill/>
           <a:ln/>
           <a:extLst>
-            <a:ext uri="{909E8E84-426E-40dd-AFC4-6F175D3DCCD1}">
+            <a:ext uri="{909E8E84-426E-40DD-AFC4-6F175D3DCCD1}">
               <a14:hiddenFill xmlns:a14="http://schemas.microsoft.com/office/drawing/2010/main">
                 <a:solidFill>
                   <a:srgbClr val="FFFFFF"/>
                 </a:solidFill>
               </a14:hiddenFill>
             </a:ext>
-            <a:ext uri="{91240B29-F687-4f45-9708-019B960494DF}">
+            <a:ext uri="{91240B29-F687-4F45-9708-019B960494DF}">
               <a14:hiddenLine xmlns:a14="http://schemas.microsoft.com/office/drawing/2010/main" w="9525">
                 <a:solidFill>
                   <a:srgbClr val="000000"/>
@@ -16376,7 +17462,7 @@
               <a:rPr lang="en-US" sz="1200" smtClean="0">
                 <a:latin typeface="Garamond" charset="0"/>
               </a:rPr>
-              <a:t>6/6/16</a:t>
+              <a:t>6/8/2016</a:t>
             </a:fld>
             <a:endParaRPr lang="en-US" sz="1200">
               <a:latin typeface="Garamond" charset="0"/>
@@ -16424,14 +17510,14 @@
           <a:noFill/>
           <a:ln/>
           <a:extLst>
-            <a:ext uri="{909E8E84-426E-40dd-AFC4-6F175D3DCCD1}">
+            <a:ext uri="{909E8E84-426E-40DD-AFC4-6F175D3DCCD1}">
               <a14:hiddenFill xmlns:a14="http://schemas.microsoft.com/office/drawing/2010/main">
                 <a:solidFill>
                   <a:srgbClr val="FFFFFF"/>
                 </a:solidFill>
               </a14:hiddenFill>
             </a:ext>
-            <a:ext uri="{91240B29-F687-4f45-9708-019B960494DF}">
+            <a:ext uri="{91240B29-F687-4F45-9708-019B960494DF}">
               <a14:hiddenLine xmlns:a14="http://schemas.microsoft.com/office/drawing/2010/main" w="9525">
                 <a:solidFill>
                   <a:srgbClr val="000000"/>
@@ -16560,7 +17646,7 @@
                 <a:latin typeface="Garamond" charset="0"/>
               </a:rPr>
               <a:pPr eaLnBrk="1" hangingPunct="1"/>
-              <a:t>5</a:t>
+              <a:t>6</a:t>
             </a:fld>
             <a:endParaRPr lang="en-US" sz="1200">
               <a:latin typeface="Garamond" charset="0"/>
@@ -16581,14 +17667,14 @@
   <p:timing>
     <p:tnLst>
       <p:par>
-        <p:cTn xmlns:p14="http://schemas.microsoft.com/office/powerpoint/2010/main" id="1" dur="indefinite" restart="never" nodeType="tmRoot"/>
+        <p:cTn id="1" dur="indefinite" restart="never" nodeType="tmRoot"/>
       </p:par>
     </p:tnLst>
   </p:timing>
 </p:sld>
 </file>
 
-<file path=ppt/slides/slide6.xml><?xml version="1.0" encoding="utf-8"?>
+<file path=ppt/slides/slide7.xml><?xml version="1.0" encoding="utf-8"?>
 <p:sld xmlns:a="http://schemas.openxmlformats.org/drawingml/2006/main" xmlns:r="http://schemas.openxmlformats.org/officeDocument/2006/relationships" xmlns:p="http://schemas.openxmlformats.org/presentationml/2006/main">
   <p:cSld>
     <p:spTree>
@@ -16988,14 +18074,14 @@
           <a:noFill/>
           <a:ln/>
           <a:extLst>
-            <a:ext uri="{909E8E84-426E-40dd-AFC4-6F175D3DCCD1}">
+            <a:ext uri="{909E8E84-426E-40DD-AFC4-6F175D3DCCD1}">
               <a14:hiddenFill xmlns:a14="http://schemas.microsoft.com/office/drawing/2010/main">
                 <a:solidFill>
                   <a:srgbClr val="FFFFFF"/>
                 </a:solidFill>
               </a14:hiddenFill>
             </a:ext>
-            <a:ext uri="{91240B29-F687-4f45-9708-019B960494DF}">
+            <a:ext uri="{91240B29-F687-4F45-9708-019B960494DF}">
               <a14:hiddenLine xmlns:a14="http://schemas.microsoft.com/office/drawing/2010/main" w="9525">
                 <a:solidFill>
                   <a:srgbClr val="000000"/>
@@ -17123,7 +18209,7 @@
               <a:rPr lang="en-US" sz="1200" smtClean="0">
                 <a:latin typeface="Garamond" charset="0"/>
               </a:rPr>
-              <a:t>6/6/16</a:t>
+              <a:t>6/8/2016</a:t>
             </a:fld>
             <a:endParaRPr lang="en-US" sz="1200">
               <a:latin typeface="Garamond" charset="0"/>
@@ -17171,14 +18257,14 @@
           <a:noFill/>
           <a:ln/>
           <a:extLst>
-            <a:ext uri="{909E8E84-426E-40dd-AFC4-6F175D3DCCD1}">
+            <a:ext uri="{909E8E84-426E-40DD-AFC4-6F175D3DCCD1}">
               <a14:hiddenFill xmlns:a14="http://schemas.microsoft.com/office/drawing/2010/main">
                 <a:solidFill>
                   <a:srgbClr val="FFFFFF"/>
                 </a:solidFill>
               </a14:hiddenFill>
             </a:ext>
-            <a:ext uri="{91240B29-F687-4f45-9708-019B960494DF}">
+            <a:ext uri="{91240B29-F687-4F45-9708-019B960494DF}">
               <a14:hiddenLine xmlns:a14="http://schemas.microsoft.com/office/drawing/2010/main" w="9525">
                 <a:solidFill>
                   <a:srgbClr val="000000"/>
@@ -17307,7 +18393,7 @@
                 <a:latin typeface="Garamond" charset="0"/>
               </a:rPr>
               <a:pPr eaLnBrk="1" hangingPunct="1"/>
-              <a:t>6</a:t>
+              <a:t>7</a:t>
             </a:fld>
             <a:endParaRPr lang="en-US" sz="1200">
               <a:latin typeface="Garamond" charset="0"/>
@@ -17328,14 +18414,14 @@
   <p:timing>
     <p:tnLst>
       <p:par>
-        <p:cTn xmlns:p14="http://schemas.microsoft.com/office/powerpoint/2010/main" id="1" dur="indefinite" restart="never" nodeType="tmRoot"/>
+        <p:cTn id="1" dur="indefinite" restart="never" nodeType="tmRoot"/>
       </p:par>
     </p:tnLst>
   </p:timing>
 </p:sld>
 </file>
 
-<file path=ppt/slides/slide7.xml><?xml version="1.0" encoding="utf-8"?>
+<file path=ppt/slides/slide8.xml><?xml version="1.0" encoding="utf-8"?>
 <p:sld xmlns:a="http://schemas.openxmlformats.org/drawingml/2006/main" xmlns:r="http://schemas.openxmlformats.org/officeDocument/2006/relationships" xmlns:p="http://schemas.openxmlformats.org/presentationml/2006/main">
   <p:cSld>
     <p:spTree>
@@ -17902,14 +18988,14 @@
           <a:noFill/>
           <a:ln/>
           <a:extLst>
-            <a:ext uri="{909E8E84-426E-40dd-AFC4-6F175D3DCCD1}">
+            <a:ext uri="{909E8E84-426E-40DD-AFC4-6F175D3DCCD1}">
               <a14:hiddenFill xmlns:a14="http://schemas.microsoft.com/office/drawing/2010/main">
                 <a:solidFill>
                   <a:srgbClr val="FFFFFF"/>
                 </a:solidFill>
               </a14:hiddenFill>
             </a:ext>
-            <a:ext uri="{91240B29-F687-4f45-9708-019B960494DF}">
+            <a:ext uri="{91240B29-F687-4F45-9708-019B960494DF}">
               <a14:hiddenLine xmlns:a14="http://schemas.microsoft.com/office/drawing/2010/main" w="9525">
                 <a:solidFill>
                   <a:srgbClr val="000000"/>
@@ -18037,7 +19123,7 @@
               <a:rPr lang="en-US" sz="1200" smtClean="0">
                 <a:latin typeface="Garamond" charset="0"/>
               </a:rPr>
-              <a:t>6/6/16</a:t>
+              <a:t>6/8/2016</a:t>
             </a:fld>
             <a:endParaRPr lang="en-US" sz="1200">
               <a:latin typeface="Garamond" charset="0"/>
@@ -18085,14 +19171,14 @@
           <a:noFill/>
           <a:ln/>
           <a:extLst>
-            <a:ext uri="{909E8E84-426E-40dd-AFC4-6F175D3DCCD1}">
+            <a:ext uri="{909E8E84-426E-40DD-AFC4-6F175D3DCCD1}">
               <a14:hiddenFill xmlns:a14="http://schemas.microsoft.com/office/drawing/2010/main">
                 <a:solidFill>
                   <a:srgbClr val="FFFFFF"/>
                 </a:solidFill>
               </a14:hiddenFill>
             </a:ext>
-            <a:ext uri="{91240B29-F687-4f45-9708-019B960494DF}">
+            <a:ext uri="{91240B29-F687-4F45-9708-019B960494DF}">
               <a14:hiddenLine xmlns:a14="http://schemas.microsoft.com/office/drawing/2010/main" w="9525">
                 <a:solidFill>
                   <a:srgbClr val="000000"/>
@@ -18221,7 +19307,7 @@
                 <a:latin typeface="Garamond" charset="0"/>
               </a:rPr>
               <a:pPr eaLnBrk="1" hangingPunct="1"/>
-              <a:t>7</a:t>
+              <a:t>8</a:t>
             </a:fld>
             <a:endParaRPr lang="en-US" sz="1200">
               <a:latin typeface="Garamond" charset="0"/>
@@ -18242,14 +19328,14 @@
   <p:timing>
     <p:tnLst>
       <p:par>
-        <p:cTn xmlns:p14="http://schemas.microsoft.com/office/powerpoint/2010/main" id="1" dur="indefinite" restart="never" nodeType="tmRoot"/>
+        <p:cTn id="1" dur="indefinite" restart="never" nodeType="tmRoot"/>
       </p:par>
     </p:tnLst>
   </p:timing>
 </p:sld>
 </file>
 
-<file path=ppt/slides/slide8.xml><?xml version="1.0" encoding="utf-8"?>
+<file path=ppt/slides/slide9.xml><?xml version="1.0" encoding="utf-8"?>
 <p:sld xmlns:a="http://schemas.openxmlformats.org/drawingml/2006/main" xmlns:r="http://schemas.openxmlformats.org/officeDocument/2006/relationships" xmlns:p="http://schemas.openxmlformats.org/presentationml/2006/main">
   <p:cSld>
     <p:spTree>
@@ -19038,14 +20124,14 @@
           <a:noFill/>
           <a:ln/>
           <a:extLst>
-            <a:ext uri="{909E8E84-426E-40dd-AFC4-6F175D3DCCD1}">
+            <a:ext uri="{909E8E84-426E-40DD-AFC4-6F175D3DCCD1}">
               <a14:hiddenFill xmlns:a14="http://schemas.microsoft.com/office/drawing/2010/main">
                 <a:solidFill>
                   <a:srgbClr val="FFFFFF"/>
                 </a:solidFill>
               </a14:hiddenFill>
             </a:ext>
-            <a:ext uri="{91240B29-F687-4f45-9708-019B960494DF}">
+            <a:ext uri="{91240B29-F687-4F45-9708-019B960494DF}">
               <a14:hiddenLine xmlns:a14="http://schemas.microsoft.com/office/drawing/2010/main" w="9525">
                 <a:solidFill>
                   <a:srgbClr val="000000"/>
@@ -19174,7 +20260,7 @@
                 <a:latin typeface="Garamond" charset="0"/>
                 <a:cs typeface="Arial" charset="0"/>
               </a:rPr>
-              <a:t>6/6/16</a:t>
+              <a:t>6/8/2016</a:t>
             </a:fld>
             <a:endParaRPr lang="en-US" sz="1200">
               <a:latin typeface="Garamond" charset="0"/>
@@ -19223,14 +20309,14 @@
           <a:noFill/>
           <a:ln/>
           <a:extLst>
-            <a:ext uri="{909E8E84-426E-40dd-AFC4-6F175D3DCCD1}">
+            <a:ext uri="{909E8E84-426E-40DD-AFC4-6F175D3DCCD1}">
               <a14:hiddenFill xmlns:a14="http://schemas.microsoft.com/office/drawing/2010/main">
                 <a:solidFill>
                   <a:srgbClr val="FFFFFF"/>
                 </a:solidFill>
               </a14:hiddenFill>
             </a:ext>
-            <a:ext uri="{91240B29-F687-4f45-9708-019B960494DF}">
+            <a:ext uri="{91240B29-F687-4F45-9708-019B960494DF}">
               <a14:hiddenLine xmlns:a14="http://schemas.microsoft.com/office/drawing/2010/main" w="9525">
                 <a:solidFill>
                   <a:srgbClr val="000000"/>
@@ -19360,7 +20446,7 @@
                 <a:cs typeface="Arial" charset="0"/>
               </a:rPr>
               <a:pPr eaLnBrk="1" hangingPunct="1"/>
-              <a:t>8</a:t>
+              <a:t>9</a:t>
             </a:fld>
             <a:endParaRPr lang="en-US" sz="1200">
               <a:latin typeface="Garamond" charset="0"/>
@@ -19382,558 +20468,7 @@
   <p:timing>
     <p:tnLst>
       <p:par>
-        <p:cTn xmlns:p14="http://schemas.microsoft.com/office/powerpoint/2010/main" id="1" dur="indefinite" restart="never" nodeType="tmRoot"/>
-      </p:par>
-    </p:tnLst>
-  </p:timing>
-</p:sld>
-</file>
-
-<file path=ppt/slides/slide9.xml><?xml version="1.0" encoding="utf-8"?>
-<p:sld xmlns:a="http://schemas.openxmlformats.org/drawingml/2006/main" xmlns:r="http://schemas.openxmlformats.org/officeDocument/2006/relationships" xmlns:p="http://schemas.openxmlformats.org/presentationml/2006/main">
-  <p:cSld>
-    <p:spTree>
-      <p:nvGrpSpPr>
-        <p:cNvPr id="1" name=""/>
-        <p:cNvGrpSpPr/>
-        <p:nvPr/>
-      </p:nvGrpSpPr>
-      <p:grpSpPr>
-        <a:xfrm>
-          <a:off x="0" y="0"/>
-          <a:ext cx="0" cy="0"/>
-          <a:chOff x="0" y="0"/>
-          <a:chExt cx="0" cy="0"/>
-        </a:xfrm>
-      </p:grpSpPr>
-      <p:sp>
-        <p:nvSpPr>
-          <p:cNvPr id="21505" name="Title 1"/>
-          <p:cNvSpPr>
-            <a:spLocks noGrp="1"/>
-          </p:cNvSpPr>
-          <p:nvPr>
-            <p:ph type="title"/>
-          </p:nvPr>
-        </p:nvSpPr>
-        <p:spPr/>
-        <p:txBody>
-          <a:bodyPr/>
-          <a:lstStyle/>
-          <a:p>
-            <a:r>
-              <a:rPr lang="en-US">
-                <a:latin typeface="Garamond" charset="0"/>
-              </a:rPr>
-              <a:t>Strings, output, and functions</a:t>
-            </a:r>
-          </a:p>
-        </p:txBody>
-      </p:sp>
-      <p:sp>
-        <p:nvSpPr>
-          <p:cNvPr id="21506" name="Content Placeholder 2"/>
-          <p:cNvSpPr>
-            <a:spLocks noGrp="1"/>
-          </p:cNvSpPr>
-          <p:nvPr>
-            <p:ph idx="1"/>
-          </p:nvPr>
-        </p:nvSpPr>
-        <p:spPr/>
-        <p:txBody>
-          <a:bodyPr/>
-          <a:lstStyle/>
-          <a:p>
-            <a:r>
-              <a:rPr lang="en-US">
-                <a:latin typeface="Arial" charset="0"/>
-              </a:rPr>
-              <a:t>Can pass string as array or pointer: </a:t>
-            </a:r>
-            <a:r>
-              <a:rPr lang="en-US">
-                <a:latin typeface="Courier New" charset="0"/>
-                <a:cs typeface="Courier New" charset="0"/>
-              </a:rPr>
-              <a:t>char *</a:t>
-            </a:r>
-          </a:p>
-          <a:p>
-            <a:pPr lvl="1"/>
-            <a:r>
-              <a:rPr lang="en-US">
-                <a:latin typeface="Courier New" charset="0"/>
-                <a:cs typeface="Courier New" charset="0"/>
-              </a:rPr>
-              <a:t>printf()</a:t>
-            </a:r>
-            <a:r>
-              <a:rPr lang="en-US">
-                <a:latin typeface="Arial" charset="0"/>
-              </a:rPr>
-              <a:t>, </a:t>
-            </a:r>
-            <a:r>
-              <a:rPr lang="en-US">
-                <a:latin typeface="Courier New" charset="0"/>
-                <a:cs typeface="Courier New" charset="0"/>
-              </a:rPr>
-              <a:t>scanf()</a:t>
-            </a:r>
-            <a:r>
-              <a:rPr lang="en-US">
-                <a:latin typeface="Arial" charset="0"/>
-              </a:rPr>
-              <a:t> take </a:t>
-            </a:r>
-            <a:r>
-              <a:rPr lang="en-US">
-                <a:latin typeface="Courier New" charset="0"/>
-                <a:cs typeface="Courier New" charset="0"/>
-              </a:rPr>
-              <a:t>char *</a:t>
-            </a:r>
-            <a:r>
-              <a:rPr lang="en-US">
-                <a:latin typeface="Arial" charset="0"/>
-              </a:rPr>
-              <a:t> as first argument</a:t>
-            </a:r>
-          </a:p>
-          <a:p>
-            <a:pPr lvl="1"/>
-            <a:r>
-              <a:rPr lang="en-US">
-                <a:latin typeface="Arial" charset="0"/>
-              </a:rPr>
-              <a:t>Given string </a:t>
-            </a:r>
-            <a:r>
-              <a:rPr lang="en-US">
-                <a:latin typeface="Courier New" charset="0"/>
-                <a:cs typeface="Courier New" charset="0"/>
-              </a:rPr>
-              <a:t>char hello[]</a:t>
-            </a:r>
-            <a:r>
-              <a:rPr lang="en-US">
-                <a:latin typeface="Arial" charset="0"/>
-              </a:rPr>
-              <a:t> from previous slide:</a:t>
-            </a:r>
-          </a:p>
-          <a:p>
-            <a:pPr lvl="2"/>
-            <a:r>
-              <a:rPr lang="en-US">
-                <a:latin typeface="Arial" charset="0"/>
-              </a:rPr>
-              <a:t>Print directly: </a:t>
-            </a:r>
-            <a:r>
-              <a:rPr lang="en-US">
-                <a:latin typeface="Courier New" charset="0"/>
-                <a:cs typeface="Courier New" charset="0"/>
-              </a:rPr>
-              <a:t>printf(hello);</a:t>
-            </a:r>
-          </a:p>
-          <a:p>
-            <a:pPr lvl="2"/>
-            <a:r>
-              <a:rPr lang="en-US">
-                <a:latin typeface="Arial" charset="0"/>
-                <a:cs typeface="Courier New" charset="0"/>
-              </a:rPr>
-              <a:t>Print w/formatting using %s: </a:t>
-            </a:r>
-            <a:r>
-              <a:rPr lang="en-US">
-                <a:latin typeface="Courier New" charset="0"/>
-                <a:cs typeface="Courier New" charset="0"/>
-              </a:rPr>
-              <a:t>printf(“%s\n”, 						 hello);</a:t>
-            </a:r>
-          </a:p>
-          <a:p>
-            <a:pPr lvl="2"/>
-            <a:r>
-              <a:rPr lang="en-US">
-                <a:latin typeface="Arial" charset="0"/>
-                <a:cs typeface="Courier New" charset="0"/>
-              </a:rPr>
-              <a:t>Print individual character:  </a:t>
-            </a:r>
-            <a:r>
-              <a:rPr lang="en-US">
-                <a:latin typeface="Courier New" charset="0"/>
-                <a:cs typeface="Courier New" charset="0"/>
-              </a:rPr>
-              <a:t>printf(“%c\n”, 						hello[1]);</a:t>
-            </a:r>
-          </a:p>
-        </p:txBody>
-      </p:sp>
-      <p:sp>
-        <p:nvSpPr>
-          <p:cNvPr id="21507" name="Date Placeholder 3"/>
-          <p:cNvSpPr>
-            <a:spLocks noGrp="1"/>
-          </p:cNvSpPr>
-          <p:nvPr>
-            <p:ph type="dt" sz="quarter" idx="10"/>
-          </p:nvPr>
-        </p:nvSpPr>
-        <p:spPr>
-          <a:noFill/>
-          <a:ln/>
-          <a:extLst>
-            <a:ext uri="{909E8E84-426E-40dd-AFC4-6F175D3DCCD1}">
-              <a14:hiddenFill xmlns:a14="http://schemas.microsoft.com/office/drawing/2010/main">
-                <a:solidFill>
-                  <a:srgbClr val="FFFFFF"/>
-                </a:solidFill>
-              </a14:hiddenFill>
-            </a:ext>
-            <a:ext uri="{91240B29-F687-4f45-9708-019B960494DF}">
-              <a14:hiddenLine xmlns:a14="http://schemas.microsoft.com/office/drawing/2010/main" w="9525">
-                <a:solidFill>
-                  <a:srgbClr val="000000"/>
-                </a:solidFill>
-                <a:miter lim="800000"/>
-                <a:headEnd/>
-                <a:tailEnd/>
-              </a14:hiddenLine>
-            </a:ext>
-          </a:extLst>
-        </p:spPr>
-        <p:txBody>
-          <a:bodyPr/>
-          <a:lstStyle>
-            <a:lvl1pPr eaLnBrk="0" hangingPunct="0">
-              <a:defRPr sz="2400">
-                <a:solidFill>
-                  <a:schemeClr val="tx1"/>
-                </a:solidFill>
-                <a:latin typeface="Arial" charset="0"/>
-                <a:ea typeface="ＭＳ Ｐゴシック" charset="0"/>
-                <a:cs typeface="ＭＳ Ｐゴシック" charset="0"/>
-              </a:defRPr>
-            </a:lvl1pPr>
-            <a:lvl2pPr marL="742950" indent="-285750" eaLnBrk="0" hangingPunct="0">
-              <a:defRPr sz="2400">
-                <a:solidFill>
-                  <a:schemeClr val="tx1"/>
-                </a:solidFill>
-                <a:latin typeface="Arial" charset="0"/>
-                <a:ea typeface="ＭＳ Ｐゴシック" charset="0"/>
-              </a:defRPr>
-            </a:lvl2pPr>
-            <a:lvl3pPr marL="1143000" indent="-228600" eaLnBrk="0" hangingPunct="0">
-              <a:defRPr sz="2400">
-                <a:solidFill>
-                  <a:schemeClr val="tx1"/>
-                </a:solidFill>
-                <a:latin typeface="Arial" charset="0"/>
-                <a:ea typeface="ＭＳ Ｐゴシック" charset="0"/>
-              </a:defRPr>
-            </a:lvl3pPr>
-            <a:lvl4pPr marL="1600200" indent="-228600" eaLnBrk="0" hangingPunct="0">
-              <a:defRPr sz="2400">
-                <a:solidFill>
-                  <a:schemeClr val="tx1"/>
-                </a:solidFill>
-                <a:latin typeface="Arial" charset="0"/>
-                <a:ea typeface="ＭＳ Ｐゴシック" charset="0"/>
-              </a:defRPr>
-            </a:lvl4pPr>
-            <a:lvl5pPr marL="2057400" indent="-228600" eaLnBrk="0" hangingPunct="0">
-              <a:defRPr sz="2400">
-                <a:solidFill>
-                  <a:schemeClr val="tx1"/>
-                </a:solidFill>
-                <a:latin typeface="Arial" charset="0"/>
-                <a:ea typeface="ＭＳ Ｐゴシック" charset="0"/>
-              </a:defRPr>
-            </a:lvl5pPr>
-            <a:lvl6pPr marL="2514600" indent="-228600" eaLnBrk="0" fontAlgn="base" hangingPunct="0">
-              <a:spcBef>
-                <a:spcPct val="0"/>
-              </a:spcBef>
-              <a:spcAft>
-                <a:spcPct val="0"/>
-              </a:spcAft>
-              <a:defRPr sz="2400">
-                <a:solidFill>
-                  <a:schemeClr val="tx1"/>
-                </a:solidFill>
-                <a:latin typeface="Arial" charset="0"/>
-                <a:ea typeface="ＭＳ Ｐゴシック" charset="0"/>
-              </a:defRPr>
-            </a:lvl6pPr>
-            <a:lvl7pPr marL="2971800" indent="-228600" eaLnBrk="0" fontAlgn="base" hangingPunct="0">
-              <a:spcBef>
-                <a:spcPct val="0"/>
-              </a:spcBef>
-              <a:spcAft>
-                <a:spcPct val="0"/>
-              </a:spcAft>
-              <a:defRPr sz="2400">
-                <a:solidFill>
-                  <a:schemeClr val="tx1"/>
-                </a:solidFill>
-                <a:latin typeface="Arial" charset="0"/>
-                <a:ea typeface="ＭＳ Ｐゴシック" charset="0"/>
-              </a:defRPr>
-            </a:lvl7pPr>
-            <a:lvl8pPr marL="3429000" indent="-228600" eaLnBrk="0" fontAlgn="base" hangingPunct="0">
-              <a:spcBef>
-                <a:spcPct val="0"/>
-              </a:spcBef>
-              <a:spcAft>
-                <a:spcPct val="0"/>
-              </a:spcAft>
-              <a:defRPr sz="2400">
-                <a:solidFill>
-                  <a:schemeClr val="tx1"/>
-                </a:solidFill>
-                <a:latin typeface="Arial" charset="0"/>
-                <a:ea typeface="ＭＳ Ｐゴシック" charset="0"/>
-              </a:defRPr>
-            </a:lvl8pPr>
-            <a:lvl9pPr marL="3886200" indent="-228600" eaLnBrk="0" fontAlgn="base" hangingPunct="0">
-              <a:spcBef>
-                <a:spcPct val="0"/>
-              </a:spcBef>
-              <a:spcAft>
-                <a:spcPct val="0"/>
-              </a:spcAft>
-              <a:defRPr sz="2400">
-                <a:solidFill>
-                  <a:schemeClr val="tx1"/>
-                </a:solidFill>
-                <a:latin typeface="Arial" charset="0"/>
-                <a:ea typeface="ＭＳ Ｐゴシック" charset="0"/>
-              </a:defRPr>
-            </a:lvl9pPr>
-          </a:lstStyle>
-          <a:p>
-            <a:pPr eaLnBrk="1" hangingPunct="1"/>
-            <a:fld id="{629BD3C0-2F6A-014C-A03E-8AEA40CDE609}" type="datetime1">
-              <a:rPr lang="en-US" sz="1200" smtClean="0">
-                <a:latin typeface="Garamond" charset="0"/>
-                <a:cs typeface="Arial" charset="0"/>
-              </a:rPr>
-              <a:t>6/6/16</a:t>
-            </a:fld>
-            <a:endParaRPr lang="en-US" sz="1200">
-              <a:latin typeface="Garamond" charset="0"/>
-              <a:cs typeface="Arial" charset="0"/>
-            </a:endParaRPr>
-          </a:p>
-        </p:txBody>
-      </p:sp>
-      <p:sp>
-        <p:nvSpPr>
-          <p:cNvPr id="5" name="Footer Placeholder 4"/>
-          <p:cNvSpPr>
-            <a:spLocks noGrp="1"/>
-          </p:cNvSpPr>
-          <p:nvPr>
-            <p:ph type="ftr" sz="quarter" idx="11"/>
-          </p:nvPr>
-        </p:nvSpPr>
-        <p:spPr/>
-        <p:txBody>
-          <a:bodyPr/>
-          <a:lstStyle/>
-          <a:p>
-            <a:pPr>
-              <a:defRPr/>
-            </a:pPr>
-            <a:r>
-              <a:rPr lang="en-US" altLang="en-US" smtClean="0"/>
-              <a:t>ECE Application Programming: Lecture 22</a:t>
-            </a:r>
-            <a:endParaRPr lang="en-US" altLang="en-US"/>
-          </a:p>
-        </p:txBody>
-      </p:sp>
-      <p:sp>
-        <p:nvSpPr>
-          <p:cNvPr id="21509" name="Slide Number Placeholder 5"/>
-          <p:cNvSpPr>
-            <a:spLocks noGrp="1"/>
-          </p:cNvSpPr>
-          <p:nvPr>
-            <p:ph type="sldNum" sz="quarter" idx="12"/>
-          </p:nvPr>
-        </p:nvSpPr>
-        <p:spPr>
-          <a:noFill/>
-          <a:ln/>
-          <a:extLst>
-            <a:ext uri="{909E8E84-426E-40dd-AFC4-6F175D3DCCD1}">
-              <a14:hiddenFill xmlns:a14="http://schemas.microsoft.com/office/drawing/2010/main">
-                <a:solidFill>
-                  <a:srgbClr val="FFFFFF"/>
-                </a:solidFill>
-              </a14:hiddenFill>
-            </a:ext>
-            <a:ext uri="{91240B29-F687-4f45-9708-019B960494DF}">
-              <a14:hiddenLine xmlns:a14="http://schemas.microsoft.com/office/drawing/2010/main" w="9525">
-                <a:solidFill>
-                  <a:srgbClr val="000000"/>
-                </a:solidFill>
-                <a:miter lim="800000"/>
-                <a:headEnd/>
-                <a:tailEnd/>
-              </a14:hiddenLine>
-            </a:ext>
-          </a:extLst>
-        </p:spPr>
-        <p:txBody>
-          <a:bodyPr/>
-          <a:lstStyle>
-            <a:lvl1pPr eaLnBrk="0" hangingPunct="0">
-              <a:defRPr sz="2400">
-                <a:solidFill>
-                  <a:schemeClr val="tx1"/>
-                </a:solidFill>
-                <a:latin typeface="Arial" charset="0"/>
-                <a:ea typeface="ＭＳ Ｐゴシック" charset="0"/>
-                <a:cs typeface="ＭＳ Ｐゴシック" charset="0"/>
-              </a:defRPr>
-            </a:lvl1pPr>
-            <a:lvl2pPr marL="742950" indent="-285750" eaLnBrk="0" hangingPunct="0">
-              <a:defRPr sz="2400">
-                <a:solidFill>
-                  <a:schemeClr val="tx1"/>
-                </a:solidFill>
-                <a:latin typeface="Arial" charset="0"/>
-                <a:ea typeface="ＭＳ Ｐゴシック" charset="0"/>
-              </a:defRPr>
-            </a:lvl2pPr>
-            <a:lvl3pPr marL="1143000" indent="-228600" eaLnBrk="0" hangingPunct="0">
-              <a:defRPr sz="2400">
-                <a:solidFill>
-                  <a:schemeClr val="tx1"/>
-                </a:solidFill>
-                <a:latin typeface="Arial" charset="0"/>
-                <a:ea typeface="ＭＳ Ｐゴシック" charset="0"/>
-              </a:defRPr>
-            </a:lvl3pPr>
-            <a:lvl4pPr marL="1600200" indent="-228600" eaLnBrk="0" hangingPunct="0">
-              <a:defRPr sz="2400">
-                <a:solidFill>
-                  <a:schemeClr val="tx1"/>
-                </a:solidFill>
-                <a:latin typeface="Arial" charset="0"/>
-                <a:ea typeface="ＭＳ Ｐゴシック" charset="0"/>
-              </a:defRPr>
-            </a:lvl4pPr>
-            <a:lvl5pPr marL="2057400" indent="-228600" eaLnBrk="0" hangingPunct="0">
-              <a:defRPr sz="2400">
-                <a:solidFill>
-                  <a:schemeClr val="tx1"/>
-                </a:solidFill>
-                <a:latin typeface="Arial" charset="0"/>
-                <a:ea typeface="ＭＳ Ｐゴシック" charset="0"/>
-              </a:defRPr>
-            </a:lvl5pPr>
-            <a:lvl6pPr marL="2514600" indent="-228600" eaLnBrk="0" fontAlgn="base" hangingPunct="0">
-              <a:spcBef>
-                <a:spcPct val="0"/>
-              </a:spcBef>
-              <a:spcAft>
-                <a:spcPct val="0"/>
-              </a:spcAft>
-              <a:defRPr sz="2400">
-                <a:solidFill>
-                  <a:schemeClr val="tx1"/>
-                </a:solidFill>
-                <a:latin typeface="Arial" charset="0"/>
-                <a:ea typeface="ＭＳ Ｐゴシック" charset="0"/>
-              </a:defRPr>
-            </a:lvl6pPr>
-            <a:lvl7pPr marL="2971800" indent="-228600" eaLnBrk="0" fontAlgn="base" hangingPunct="0">
-              <a:spcBef>
-                <a:spcPct val="0"/>
-              </a:spcBef>
-              <a:spcAft>
-                <a:spcPct val="0"/>
-              </a:spcAft>
-              <a:defRPr sz="2400">
-                <a:solidFill>
-                  <a:schemeClr val="tx1"/>
-                </a:solidFill>
-                <a:latin typeface="Arial" charset="0"/>
-                <a:ea typeface="ＭＳ Ｐゴシック" charset="0"/>
-              </a:defRPr>
-            </a:lvl7pPr>
-            <a:lvl8pPr marL="3429000" indent="-228600" eaLnBrk="0" fontAlgn="base" hangingPunct="0">
-              <a:spcBef>
-                <a:spcPct val="0"/>
-              </a:spcBef>
-              <a:spcAft>
-                <a:spcPct val="0"/>
-              </a:spcAft>
-              <a:defRPr sz="2400">
-                <a:solidFill>
-                  <a:schemeClr val="tx1"/>
-                </a:solidFill>
-                <a:latin typeface="Arial" charset="0"/>
-                <a:ea typeface="ＭＳ Ｐゴシック" charset="0"/>
-              </a:defRPr>
-            </a:lvl8pPr>
-            <a:lvl9pPr marL="3886200" indent="-228600" eaLnBrk="0" fontAlgn="base" hangingPunct="0">
-              <a:spcBef>
-                <a:spcPct val="0"/>
-              </a:spcBef>
-              <a:spcAft>
-                <a:spcPct val="0"/>
-              </a:spcAft>
-              <a:defRPr sz="2400">
-                <a:solidFill>
-                  <a:schemeClr val="tx1"/>
-                </a:solidFill>
-                <a:latin typeface="Arial" charset="0"/>
-                <a:ea typeface="ＭＳ Ｐゴシック" charset="0"/>
-              </a:defRPr>
-            </a:lvl9pPr>
-          </a:lstStyle>
-          <a:p>
-            <a:pPr eaLnBrk="1" hangingPunct="1"/>
-            <a:fld id="{41AC0AE3-EF86-5341-A8BC-D36450E83481}" type="slidenum">
-              <a:rPr lang="en-US" sz="1200">
-                <a:latin typeface="Garamond" charset="0"/>
-                <a:cs typeface="Arial" charset="0"/>
-              </a:rPr>
-              <a:pPr eaLnBrk="1" hangingPunct="1"/>
-              <a:t>9</a:t>
-            </a:fld>
-            <a:endParaRPr lang="en-US" sz="1200">
-              <a:latin typeface="Garamond" charset="0"/>
-              <a:cs typeface="Arial" charset="0"/>
-            </a:endParaRPr>
-          </a:p>
-        </p:txBody>
-      </p:sp>
-    </p:spTree>
-    <p:extLst>
-      <p:ext uri="{BB962C8B-B14F-4D97-AF65-F5344CB8AC3E}">
-        <p14:creationId xmlns:p14="http://schemas.microsoft.com/office/powerpoint/2010/main" val="1090510775"/>
-      </p:ext>
-    </p:extLst>
-  </p:cSld>
-  <p:clrMapOvr>
-    <a:masterClrMapping/>
-  </p:clrMapOvr>
-  <p:timing>
-    <p:tnLst>
-      <p:par>
-        <p:cTn xmlns:p14="http://schemas.microsoft.com/office/powerpoint/2010/main" id="1" dur="indefinite" restart="never" nodeType="tmRoot"/>
+        <p:cTn id="1" dur="indefinite" restart="never" nodeType="tmRoot"/>
       </p:par>
     </p:tnLst>
   </p:timing>
